--- a/05 Built-in filters/Built-in filters.pptx
+++ b/05 Built-in filters/Built-in filters.pptx
@@ -289,7 +289,7 @@
             <a:fld id="{87731427-D242-475D-9180-8940013A50B8}" type="datetimeFigureOut">
               <a:rPr lang="en-GB" smtClean="0"/>
               <a:pPr algn="l"/>
-              <a:t>17/11/2016</a:t>
+              <a:t>08/04/2017</a:t>
             </a:fld>
             <a:endParaRPr lang="en-GB" dirty="0"/>
           </a:p>
@@ -494,7 +494,7 @@
             <a:fld id="{BA521D56-F1F4-41A0-82EB-989F4F6F400D}" type="datetimeFigureOut">
               <a:rPr lang="fr-FR" smtClean="0"/>
               <a:pPr/>
-              <a:t>17/11/2016</a:t>
+              <a:t>08/04/2017</a:t>
             </a:fld>
             <a:endParaRPr lang="fr-FR"/>
           </a:p>
@@ -1022,7 +1022,7 @@
             <a:fld id="{CEEEE294-B79F-4A25-95D8-F3C9F64C4822}" type="datetime1">
               <a:rPr lang="fr-FR" smtClean="0"/>
               <a:pPr/>
-              <a:t>17/11/2016</a:t>
+              <a:t>08/04/2017</a:t>
             </a:fld>
             <a:endParaRPr lang="fr-FR"/>
           </a:p>
@@ -8920,75 +8920,158 @@
           <a:p>
             <a:r>
               <a:rPr lang="fr-FR" dirty="0"/>
-              <a:t>La syntaxe UNIX est utilisée :      {{ expression | </a:t>
-            </a:r>
-            <a:r>
-              <a:rPr lang="fr-FR" dirty="0" err="1"/>
+              <a:t>La syntaxe UNIX est utilisée </a:t>
+            </a:r>
+            <a:r>
+              <a:rPr lang="fr-FR" dirty="0" smtClean="0"/>
+              <a:t>: </a:t>
+            </a:r>
+          </a:p>
+          <a:p>
+            <a:pPr lvl="1"/>
+            <a:r>
+              <a:rPr lang="fr-FR" sz="1600" b="1" dirty="0" smtClean="0">
+                <a:latin typeface="Consolas" panose="020B0609020204030204" pitchFamily="49" charset="0"/>
+              </a:rPr>
+              <a:t>{{ </a:t>
+            </a:r>
+            <a:r>
+              <a:rPr lang="fr-FR" sz="1600" b="1" dirty="0">
+                <a:latin typeface="Consolas" panose="020B0609020204030204" pitchFamily="49" charset="0"/>
+              </a:rPr>
+              <a:t>expression | </a:t>
+            </a:r>
+            <a:r>
+              <a:rPr lang="fr-FR" sz="1600" b="1" dirty="0" err="1">
+                <a:latin typeface="Consolas" panose="020B0609020204030204" pitchFamily="49" charset="0"/>
+              </a:rPr>
               <a:t>uppercase</a:t>
             </a:r>
             <a:r>
+              <a:rPr lang="fr-FR" sz="1600" b="1" dirty="0">
+                <a:latin typeface="Consolas" panose="020B0609020204030204" pitchFamily="49" charset="0"/>
+              </a:rPr>
+              <a:t> }}</a:t>
+            </a:r>
+          </a:p>
+          <a:p>
+            <a:r>
               <a:rPr lang="fr-FR" dirty="0"/>
+              <a:t>On peut chaîner les filtres </a:t>
+            </a:r>
+            <a:r>
+              <a:rPr lang="fr-FR" dirty="0" smtClean="0"/>
+              <a:t>: </a:t>
+            </a:r>
+          </a:p>
+          <a:p>
+            <a:pPr lvl="1"/>
+            <a:r>
+              <a:rPr lang="fr-FR" sz="1600" b="1" dirty="0" smtClean="0">
+                <a:latin typeface="Consolas" panose="020B0609020204030204" pitchFamily="49" charset="0"/>
+              </a:rPr>
+              <a:t>{{ </a:t>
+            </a:r>
+            <a:r>
+              <a:rPr lang="fr-FR" sz="1600" b="1" dirty="0">
+                <a:latin typeface="Consolas" panose="020B0609020204030204" pitchFamily="49" charset="0"/>
+              </a:rPr>
+              <a:t>expression | </a:t>
+            </a:r>
+            <a:r>
+              <a:rPr lang="fr-FR" sz="1600" b="1" dirty="0" err="1">
+                <a:latin typeface="Consolas" panose="020B0609020204030204" pitchFamily="49" charset="0"/>
+              </a:rPr>
+              <a:t>uppercase</a:t>
+            </a:r>
+            <a:r>
+              <a:rPr lang="fr-FR" sz="1600" b="1" dirty="0">
+                <a:latin typeface="Consolas" panose="020B0609020204030204" pitchFamily="49" charset="0"/>
+              </a:rPr>
+              <a:t> | </a:t>
+            </a:r>
+            <a:r>
+              <a:rPr lang="fr-FR" sz="1600" b="1" dirty="0" err="1">
+                <a:latin typeface="Consolas" panose="020B0609020204030204" pitchFamily="49" charset="0"/>
+              </a:rPr>
+              <a:t>trim</a:t>
+            </a:r>
+            <a:r>
+              <a:rPr lang="fr-FR" sz="1600" b="1" dirty="0">
+                <a:latin typeface="Consolas" panose="020B0609020204030204" pitchFamily="49" charset="0"/>
+              </a:rPr>
               <a:t> }}</a:t>
             </a:r>
           </a:p>
           <a:p>
             <a:r>
               <a:rPr lang="fr-FR" dirty="0"/>
-              <a:t>On peut chaîner les filtres :        {{ expression | </a:t>
-            </a:r>
-            <a:r>
-              <a:rPr lang="fr-FR" dirty="0" err="1"/>
-              <a:t>uppercase</a:t>
-            </a:r>
-            <a:r>
-              <a:rPr lang="fr-FR" dirty="0"/>
+              <a:t>Passer des paramètres : </a:t>
+            </a:r>
+            <a:r>
+              <a:rPr lang="fr-FR" dirty="0" smtClean="0"/>
+              <a:t>       </a:t>
+            </a:r>
+          </a:p>
+          <a:p>
+            <a:pPr lvl="1"/>
+            <a:r>
+              <a:rPr lang="fr-FR" sz="1600" b="1" dirty="0" smtClean="0">
+                <a:latin typeface="Consolas" panose="020B0609020204030204" pitchFamily="49" charset="0"/>
+              </a:rPr>
+              <a:t>{{ </a:t>
+            </a:r>
+            <a:r>
+              <a:rPr lang="fr-FR" sz="1600" b="1" dirty="0" err="1">
+                <a:latin typeface="Consolas" panose="020B0609020204030204" pitchFamily="49" charset="0"/>
+              </a:rPr>
+              <a:t>array</a:t>
+            </a:r>
+            <a:r>
+              <a:rPr lang="fr-FR" sz="1600" b="1" dirty="0">
+                <a:latin typeface="Consolas" panose="020B0609020204030204" pitchFamily="49" charset="0"/>
+              </a:rPr>
               <a:t> | </a:t>
             </a:r>
             <a:r>
-              <a:rPr lang="fr-FR" dirty="0" err="1"/>
-              <a:t>trim</a:t>
-            </a:r>
-            <a:r>
-              <a:rPr lang="fr-FR" dirty="0"/>
-              <a:t> }}</a:t>
-            </a:r>
-          </a:p>
-          <a:p>
-            <a:r>
-              <a:rPr lang="fr-FR" dirty="0"/>
-              <a:t>Passer des paramètres :              {{ </a:t>
-            </a:r>
-            <a:r>
-              <a:rPr lang="fr-FR" dirty="0" err="1"/>
-              <a:t>array</a:t>
-            </a:r>
-            <a:r>
-              <a:rPr lang="fr-FR" dirty="0"/>
-              <a:t> | </a:t>
-            </a:r>
-            <a:r>
-              <a:rPr lang="fr-FR" dirty="0" err="1"/>
+              <a:rPr lang="fr-FR" sz="1600" b="1" dirty="0" err="1">
+                <a:latin typeface="Consolas" panose="020B0609020204030204" pitchFamily="49" charset="0"/>
+              </a:rPr>
               <a:t>orderBy</a:t>
             </a:r>
             <a:r>
-              <a:rPr lang="fr-FR" dirty="0"/>
+              <a:rPr lang="fr-FR" sz="1600" b="1" dirty="0">
+                <a:latin typeface="Consolas" panose="020B0609020204030204" pitchFamily="49" charset="0"/>
+              </a:rPr>
               <a:t>:'</a:t>
             </a:r>
             <a:r>
-              <a:rPr lang="fr-FR" dirty="0" err="1"/>
+              <a:rPr lang="fr-FR" sz="1600" b="1" dirty="0" err="1">
+                <a:latin typeface="Consolas" panose="020B0609020204030204" pitchFamily="49" charset="0"/>
+              </a:rPr>
               <a:t>name</a:t>
             </a:r>
             <a:r>
-              <a:rPr lang="fr-FR" dirty="0"/>
+              <a:rPr lang="fr-FR" sz="1600" b="1" dirty="0">
+                <a:latin typeface="Consolas" panose="020B0609020204030204" pitchFamily="49" charset="0"/>
+              </a:rPr>
               <a:t>':</a:t>
             </a:r>
             <a:r>
-              <a:rPr lang="fr-FR" dirty="0" err="1"/>
+              <a:rPr lang="fr-FR" sz="1600" b="1" dirty="0" err="1">
+                <a:latin typeface="Consolas" panose="020B0609020204030204" pitchFamily="49" charset="0"/>
+              </a:rPr>
               <a:t>true</a:t>
             </a:r>
             <a:r>
-              <a:rPr lang="fr-FR" dirty="0"/>
-              <a:t> }}</a:t>
+              <a:rPr lang="fr-FR" sz="1600" b="1" dirty="0">
+                <a:latin typeface="Consolas" panose="020B0609020204030204" pitchFamily="49" charset="0"/>
+              </a:rPr>
+              <a:t> }</a:t>
+            </a:r>
+            <a:r>
+              <a:rPr lang="fr-FR" sz="1600" b="1" dirty="0"/>
+              <a:t>}</a:t>
             </a:r>
           </a:p>
           <a:p>
@@ -9003,30 +9086,48 @@
             </a:pPr>
             <a:r>
               <a:rPr lang="fr-FR" dirty="0"/>
-              <a:t>			var </a:t>
-            </a:r>
-            <a:r>
-              <a:rPr lang="fr-FR" dirty="0" err="1"/>
+              <a:t>		</a:t>
+            </a:r>
+            <a:r>
+              <a:rPr lang="fr-FR" sz="1600" b="1" dirty="0" smtClean="0">
+                <a:latin typeface="Consolas" panose="020B0609020204030204" pitchFamily="49" charset="0"/>
+              </a:rPr>
+              <a:t>var </a:t>
+            </a:r>
+            <a:r>
+              <a:rPr lang="fr-FR" sz="1600" b="1" dirty="0" err="1">
+                <a:latin typeface="Consolas" panose="020B0609020204030204" pitchFamily="49" charset="0"/>
+              </a:rPr>
               <a:t>toUpper</a:t>
             </a:r>
             <a:r>
-              <a:rPr lang="fr-FR" dirty="0"/>
+              <a:rPr lang="fr-FR" sz="1600" b="1" dirty="0">
+                <a:latin typeface="Consolas" panose="020B0609020204030204" pitchFamily="49" charset="0"/>
+              </a:rPr>
               <a:t> = $</a:t>
             </a:r>
             <a:r>
-              <a:rPr lang="fr-FR" dirty="0" err="1"/>
+              <a:rPr lang="fr-FR" sz="1600" b="1" dirty="0" err="1">
+                <a:latin typeface="Consolas" panose="020B0609020204030204" pitchFamily="49" charset="0"/>
+              </a:rPr>
               <a:t>filter</a:t>
             </a:r>
             <a:r>
-              <a:rPr lang="fr-FR" dirty="0"/>
+              <a:rPr lang="fr-FR" sz="1600" b="1" dirty="0">
+                <a:latin typeface="Consolas" panose="020B0609020204030204" pitchFamily="49" charset="0"/>
+              </a:rPr>
               <a:t>('</a:t>
             </a:r>
             <a:r>
-              <a:rPr lang="fr-FR" dirty="0" err="1"/>
+              <a:rPr lang="fr-FR" sz="1600" b="1" dirty="0" err="1">
+                <a:latin typeface="Consolas" panose="020B0609020204030204" pitchFamily="49" charset="0"/>
+              </a:rPr>
               <a:t>uppercase</a:t>
             </a:r>
             <a:r>
-              <a:rPr lang="fr-FR" dirty="0"/>
+              <a:rPr lang="fr-FR" sz="1600" b="1" dirty="0">
+                <a:latin typeface="Consolas" panose="020B0609020204030204" pitchFamily="49" charset="0"/>
+              </a:rPr>
               <a:t>');</a:t>
             </a:r>
           </a:p>
@@ -9035,25 +9136,50 @@
               <a:buNone/>
             </a:pPr>
             <a:r>
-              <a:rPr lang="fr-FR" dirty="0"/>
-              <a:t>			var </a:t>
-            </a:r>
-            <a:r>
-              <a:rPr lang="fr-FR" dirty="0" err="1"/>
+              <a:rPr lang="fr-FR" sz="1600" b="1" dirty="0">
+                <a:latin typeface="Consolas" panose="020B0609020204030204" pitchFamily="49" charset="0"/>
+              </a:rPr>
+              <a:t>		</a:t>
+            </a:r>
+            <a:r>
+              <a:rPr lang="fr-FR" sz="1600" b="1" dirty="0" smtClean="0">
+                <a:latin typeface="Consolas" panose="020B0609020204030204" pitchFamily="49" charset="0"/>
+              </a:rPr>
+              <a:t>var </a:t>
+            </a:r>
+            <a:r>
+              <a:rPr lang="fr-FR" sz="1600" b="1" dirty="0" err="1">
+                <a:latin typeface="Consolas" panose="020B0609020204030204" pitchFamily="49" charset="0"/>
+              </a:rPr>
               <a:t>helloInUppercase</a:t>
             </a:r>
             <a:r>
-              <a:rPr lang="fr-FR" dirty="0"/>
+              <a:rPr lang="fr-FR" sz="1600" b="1" dirty="0">
+                <a:latin typeface="Consolas" panose="020B0609020204030204" pitchFamily="49" charset="0"/>
+              </a:rPr>
               <a:t> = </a:t>
             </a:r>
             <a:r>
-              <a:rPr lang="fr-FR" dirty="0" err="1"/>
+              <a:rPr lang="fr-FR" sz="1600" b="1" dirty="0" err="1">
+                <a:latin typeface="Consolas" panose="020B0609020204030204" pitchFamily="49" charset="0"/>
+              </a:rPr>
               <a:t>toUpper</a:t>
             </a:r>
             <a:r>
-              <a:rPr lang="fr-FR" dirty="0"/>
-              <a:t>('hello'); // HELLO</a:t>
-            </a:r>
+              <a:rPr lang="fr-FR" sz="1600" b="1" dirty="0">
+                <a:latin typeface="Consolas" panose="020B0609020204030204" pitchFamily="49" charset="0"/>
+              </a:rPr>
+              <a:t>('hello</a:t>
+            </a:r>
+            <a:r>
+              <a:rPr lang="fr-FR" sz="1600" b="1" dirty="0" smtClean="0">
+                <a:latin typeface="Consolas" panose="020B0609020204030204" pitchFamily="49" charset="0"/>
+              </a:rPr>
+              <a:t>'); // HELLO</a:t>
+            </a:r>
+            <a:endParaRPr lang="fr-FR" sz="1600" b="1" dirty="0">
+              <a:latin typeface="Consolas" panose="020B0609020204030204" pitchFamily="49" charset="0"/>
+            </a:endParaRPr>
           </a:p>
         </p:txBody>
       </p:sp>
@@ -9199,30 +9325,45 @@
           <a:p>
             <a:pPr lvl="1"/>
             <a:r>
-              <a:rPr lang="fr-FR" dirty="0"/>
+              <a:rPr lang="fr-FR" sz="1600" b="1" dirty="0">
+                <a:latin typeface="Consolas" panose="020B0609020204030204" pitchFamily="49" charset="0"/>
+              </a:rPr>
               <a:t>{{ 31.26 | </a:t>
             </a:r>
             <a:r>
-              <a:rPr lang="fr-FR" dirty="0" err="1"/>
+              <a:rPr lang="fr-FR" sz="1600" b="1" dirty="0" err="1">
+                <a:latin typeface="Consolas" panose="020B0609020204030204" pitchFamily="49" charset="0"/>
+              </a:rPr>
               <a:t>number</a:t>
             </a:r>
             <a:r>
-              <a:rPr lang="fr-FR" dirty="0"/>
+              <a:rPr lang="fr-FR" sz="1600" b="1" dirty="0">
+                <a:latin typeface="Consolas" panose="020B0609020204030204" pitchFamily="49" charset="0"/>
+              </a:rPr>
               <a:t>:1 }} // 31.3</a:t>
             </a:r>
+            <a:endParaRPr lang="fr-FR" b="1" dirty="0">
+              <a:latin typeface="Consolas" panose="020B0609020204030204" pitchFamily="49" charset="0"/>
+            </a:endParaRPr>
           </a:p>
           <a:p>
             <a:pPr lvl="1"/>
             <a:r>
-              <a:rPr lang="fr-FR" dirty="0"/>
+              <a:rPr lang="fr-FR" sz="1600" b="1" dirty="0">
+                <a:latin typeface="Consolas" panose="020B0609020204030204" pitchFamily="49" charset="0"/>
+              </a:rPr>
               <a:t>{{ 31.26 | </a:t>
             </a:r>
             <a:r>
-              <a:rPr lang="fr-FR" dirty="0" err="1"/>
+              <a:rPr lang="fr-FR" sz="1600" b="1" dirty="0" err="1">
+                <a:latin typeface="Consolas" panose="020B0609020204030204" pitchFamily="49" charset="0"/>
+              </a:rPr>
               <a:t>number</a:t>
             </a:r>
             <a:r>
-              <a:rPr lang="fr-FR" dirty="0"/>
+              <a:rPr lang="fr-FR" sz="1600" b="1" dirty="0">
+                <a:latin typeface="Consolas" panose="020B0609020204030204" pitchFamily="49" charset="0"/>
+              </a:rPr>
               <a:t>:3 }} // 31.260</a:t>
             </a:r>
           </a:p>
@@ -9233,16 +9374,39 @@
             </a:r>
             <a:r>
               <a:rPr lang="fr-FR" dirty="0"/>
-              <a:t>: permet de préciser la monnaie :  { 31.26 | </a:t>
-            </a:r>
-            <a:r>
-              <a:rPr lang="fr-FR" dirty="0" err="1"/>
+              <a:t>: permet de préciser la monnaie :  </a:t>
+            </a:r>
+            <a:endParaRPr lang="fr-FR" dirty="0" smtClean="0"/>
+          </a:p>
+          <a:p>
+            <a:pPr lvl="1"/>
+            <a:r>
+              <a:rPr lang="fr-FR" sz="1600" b="1" dirty="0" smtClean="0">
+                <a:latin typeface="Consolas" panose="020B0609020204030204" pitchFamily="49" charset="0"/>
+              </a:rPr>
+              <a:t>{ </a:t>
+            </a:r>
+            <a:r>
+              <a:rPr lang="fr-FR" sz="1600" b="1" dirty="0">
+                <a:latin typeface="Consolas" panose="020B0609020204030204" pitchFamily="49" charset="0"/>
+              </a:rPr>
+              <a:t>31.26 | </a:t>
+            </a:r>
+            <a:r>
+              <a:rPr lang="fr-FR" sz="1600" b="1" dirty="0" err="1">
+                <a:latin typeface="Consolas" panose="020B0609020204030204" pitchFamily="49" charset="0"/>
+              </a:rPr>
               <a:t>currency</a:t>
             </a:r>
             <a:r>
-              <a:rPr lang="fr-FR" dirty="0"/>
+              <a:rPr lang="fr-FR" sz="1600" b="1" dirty="0">
+                <a:latin typeface="Consolas" panose="020B0609020204030204" pitchFamily="49" charset="0"/>
+              </a:rPr>
               <a:t>:'$' }} // $31.26</a:t>
             </a:r>
+            <a:endParaRPr lang="fr-FR" b="1" dirty="0">
+              <a:latin typeface="Consolas" panose="020B0609020204030204" pitchFamily="49" charset="0"/>
+            </a:endParaRPr>
           </a:p>
           <a:p>
             <a:r>
@@ -9261,23 +9425,33 @@
           <a:p>
             <a:pPr lvl="1"/>
             <a:r>
-              <a:rPr lang="fr-FR" dirty="0"/>
+              <a:rPr lang="fr-FR" sz="1600" b="1" dirty="0">
+                <a:latin typeface="Consolas" panose="020B0609020204030204" pitchFamily="49" charset="0"/>
+              </a:rPr>
               <a:t>{{ </a:t>
             </a:r>
             <a:r>
-              <a:rPr lang="fr-FR" dirty="0" err="1"/>
+              <a:rPr lang="fr-FR" sz="1600" b="1" dirty="0" err="1">
+                <a:latin typeface="Consolas" panose="020B0609020204030204" pitchFamily="49" charset="0"/>
+              </a:rPr>
               <a:t>today</a:t>
             </a:r>
             <a:r>
-              <a:rPr lang="fr-FR" dirty="0"/>
+              <a:rPr lang="fr-FR" sz="1600" b="1" dirty="0">
+                <a:latin typeface="Consolas" panose="020B0609020204030204" pitchFamily="49" charset="0"/>
+              </a:rPr>
               <a:t> | date:'dd/MM/</a:t>
             </a:r>
             <a:r>
-              <a:rPr lang="fr-FR" dirty="0" err="1"/>
+              <a:rPr lang="fr-FR" sz="1600" b="1" dirty="0" err="1">
+                <a:latin typeface="Consolas" panose="020B0609020204030204" pitchFamily="49" charset="0"/>
+              </a:rPr>
               <a:t>yyyy</a:t>
             </a:r>
             <a:r>
-              <a:rPr lang="fr-FR" dirty="0"/>
+              <a:rPr lang="fr-FR" sz="1600" b="1" dirty="0">
+                <a:latin typeface="Consolas" panose="020B0609020204030204" pitchFamily="49" charset="0"/>
+              </a:rPr>
               <a:t>' }} // 21/05/2015</a:t>
             </a:r>
           </a:p>
@@ -9302,37 +9476,53 @@
           <a:p>
             <a:pPr lvl="1"/>
             <a:r>
-              <a:rPr lang="fr-FR" dirty="0"/>
+              <a:rPr lang="fr-FR" sz="1600" b="1" dirty="0">
+                <a:latin typeface="Consolas" panose="020B0609020204030204" pitchFamily="49" charset="0"/>
+              </a:rPr>
               <a:t>{{ "Jocelyn" | </a:t>
             </a:r>
             <a:r>
-              <a:rPr lang="fr-FR" dirty="0" err="1"/>
+              <a:rPr lang="fr-FR" sz="1600" b="1" dirty="0" err="1">
+                <a:latin typeface="Consolas" panose="020B0609020204030204" pitchFamily="49" charset="0"/>
+              </a:rPr>
               <a:t>uppercase</a:t>
             </a:r>
             <a:r>
-              <a:rPr lang="fr-FR" dirty="0"/>
+              <a:rPr lang="fr-FR" sz="1600" b="1" dirty="0">
+                <a:latin typeface="Consolas" panose="020B0609020204030204" pitchFamily="49" charset="0"/>
+              </a:rPr>
               <a:t> }} // JOCELYN</a:t>
             </a:r>
           </a:p>
           <a:p>
             <a:pPr lvl="1"/>
             <a:r>
-              <a:rPr lang="fr-FR" dirty="0"/>
+              <a:rPr lang="fr-FR" sz="1600" b="1" dirty="0">
+                <a:latin typeface="Consolas" panose="020B0609020204030204" pitchFamily="49" charset="0"/>
+              </a:rPr>
               <a:t>{{ "Jocelyn" | </a:t>
             </a:r>
             <a:r>
-              <a:rPr lang="fr-FR" dirty="0" err="1"/>
+              <a:rPr lang="fr-FR" sz="1600" b="1" dirty="0" err="1">
+                <a:latin typeface="Consolas" panose="020B0609020204030204" pitchFamily="49" charset="0"/>
+              </a:rPr>
               <a:t>lowercase</a:t>
             </a:r>
             <a:r>
-              <a:rPr lang="fr-FR" dirty="0"/>
+              <a:rPr lang="fr-FR" sz="1600" b="1" dirty="0">
+                <a:latin typeface="Consolas" panose="020B0609020204030204" pitchFamily="49" charset="0"/>
+              </a:rPr>
               <a:t> }} // </a:t>
             </a:r>
             <a:r>
-              <a:rPr lang="fr-FR" dirty="0" err="1"/>
+              <a:rPr lang="fr-FR" sz="1600" b="1" dirty="0" err="1">
+                <a:latin typeface="Consolas" panose="020B0609020204030204" pitchFamily="49" charset="0"/>
+              </a:rPr>
               <a:t>jocelyn</a:t>
             </a:r>
-            <a:endParaRPr lang="fr-FR" dirty="0"/>
+            <a:endParaRPr lang="fr-FR" sz="1600" b="1" dirty="0">
+              <a:latin typeface="Consolas" panose="020B0609020204030204" pitchFamily="49" charset="0"/>
+            </a:endParaRPr>
           </a:p>
           <a:p>
             <a:r>
@@ -9347,47 +9537,69 @@
           <a:p>
             <a:pPr lvl="1"/>
             <a:r>
-              <a:rPr lang="fr-FR" dirty="0"/>
+              <a:rPr lang="fr-FR" sz="1600" b="1" dirty="0">
+                <a:latin typeface="Consolas" panose="020B0609020204030204" pitchFamily="49" charset="0"/>
+              </a:rPr>
               <a:t>{{ user | </a:t>
             </a:r>
             <a:r>
-              <a:rPr lang="fr-FR" dirty="0" err="1"/>
+              <a:rPr lang="fr-FR" sz="1600" b="1" dirty="0" err="1">
+                <a:latin typeface="Consolas" panose="020B0609020204030204" pitchFamily="49" charset="0"/>
+              </a:rPr>
               <a:t>json</a:t>
             </a:r>
             <a:r>
-              <a:rPr lang="fr-FR" dirty="0"/>
+              <a:rPr lang="fr-FR" sz="1600" b="1" dirty="0">
+                <a:latin typeface="Consolas" panose="020B0609020204030204" pitchFamily="49" charset="0"/>
+              </a:rPr>
               <a:t> }} // { </a:t>
             </a:r>
             <a:r>
-              <a:rPr lang="fr-FR" dirty="0" err="1"/>
+              <a:rPr lang="fr-FR" sz="1600" b="1" dirty="0" err="1">
+                <a:latin typeface="Consolas" panose="020B0609020204030204" pitchFamily="49" charset="0"/>
+              </a:rPr>
               <a:t>name</a:t>
             </a:r>
             <a:r>
-              <a:rPr lang="fr-FR" dirty="0"/>
+              <a:rPr lang="fr-FR" sz="1600" b="1" dirty="0">
+                <a:latin typeface="Consolas" panose="020B0609020204030204" pitchFamily="49" charset="0"/>
+              </a:rPr>
               <a:t>: 'Jocelyn', </a:t>
             </a:r>
             <a:r>
-              <a:rPr lang="fr-FR" dirty="0" err="1"/>
+              <a:rPr lang="fr-FR" sz="1600" b="1" dirty="0" err="1">
+                <a:latin typeface="Consolas" panose="020B0609020204030204" pitchFamily="49" charset="0"/>
+              </a:rPr>
               <a:t>company</a:t>
             </a:r>
             <a:r>
-              <a:rPr lang="fr-FR" dirty="0"/>
+              <a:rPr lang="fr-FR" sz="1600" b="1" dirty="0">
+                <a:latin typeface="Consolas" panose="020B0609020204030204" pitchFamily="49" charset="0"/>
+              </a:rPr>
               <a:t>: '</a:t>
             </a:r>
             <a:r>
-              <a:rPr lang="fr-FR" dirty="0" err="1"/>
+              <a:rPr lang="fr-FR" sz="1600" b="1" dirty="0" err="1">
+                <a:latin typeface="Consolas" panose="020B0609020204030204" pitchFamily="49" charset="0"/>
+              </a:rPr>
               <a:t>Sopra</a:t>
             </a:r>
             <a:r>
-              <a:rPr lang="fr-FR" dirty="0"/>
+              <a:rPr lang="fr-FR" sz="1600" b="1" dirty="0">
+                <a:latin typeface="Consolas" panose="020B0609020204030204" pitchFamily="49" charset="0"/>
+              </a:rPr>
               <a:t> </a:t>
             </a:r>
             <a:r>
-              <a:rPr lang="fr-FR" dirty="0" err="1"/>
+              <a:rPr lang="fr-FR" sz="1600" b="1" dirty="0" err="1">
+                <a:latin typeface="Consolas" panose="020B0609020204030204" pitchFamily="49" charset="0"/>
+              </a:rPr>
               <a:t>Steria</a:t>
             </a:r>
             <a:r>
-              <a:rPr lang="fr-FR" dirty="0"/>
+              <a:rPr lang="fr-FR" sz="1600" b="1" dirty="0">
+                <a:latin typeface="Consolas" panose="020B0609020204030204" pitchFamily="49" charset="0"/>
+              </a:rPr>
               <a:t>' }</a:t>
             </a:r>
           </a:p>
@@ -9529,30 +9741,42 @@
           <a:p>
             <a:pPr lvl="1"/>
             <a:r>
-              <a:rPr lang="fr-FR" dirty="0"/>
+              <a:rPr lang="fr-FR" sz="1600" b="1" dirty="0">
+                <a:latin typeface="Consolas" panose="020B0609020204030204" pitchFamily="49" charset="0"/>
+              </a:rPr>
               <a:t>{{ ['a', 'b', 'c'] | </a:t>
             </a:r>
             <a:r>
-              <a:rPr lang="fr-FR" dirty="0" err="1"/>
+              <a:rPr lang="fr-FR" sz="1600" b="1" dirty="0" err="1">
+                <a:latin typeface="Consolas" panose="020B0609020204030204" pitchFamily="49" charset="0"/>
+              </a:rPr>
               <a:t>limitTo</a:t>
             </a:r>
             <a:r>
-              <a:rPr lang="fr-FR" dirty="0"/>
+              <a:rPr lang="fr-FR" sz="1600" b="1" dirty="0">
+                <a:latin typeface="Consolas" panose="020B0609020204030204" pitchFamily="49" charset="0"/>
+              </a:rPr>
               <a:t>:2 }} // ['a', 'b']</a:t>
             </a:r>
           </a:p>
           <a:p>
             <a:pPr lvl="1"/>
             <a:r>
-              <a:rPr lang="fr-FR" dirty="0"/>
+              <a:rPr lang="fr-FR" sz="1600" b="1" dirty="0">
+                <a:latin typeface="Consolas" panose="020B0609020204030204" pitchFamily="49" charset="0"/>
+              </a:rPr>
               <a:t>{{ ['a', 'b', 'c'] | </a:t>
             </a:r>
             <a:r>
-              <a:rPr lang="fr-FR" dirty="0" err="1"/>
+              <a:rPr lang="fr-FR" sz="1600" b="1" dirty="0" err="1">
+                <a:latin typeface="Consolas" panose="020B0609020204030204" pitchFamily="49" charset="0"/>
+              </a:rPr>
               <a:t>limitTo</a:t>
             </a:r>
             <a:r>
-              <a:rPr lang="fr-FR" dirty="0"/>
+              <a:rPr lang="fr-FR" sz="1600" b="1" dirty="0">
+                <a:latin typeface="Consolas" panose="020B0609020204030204" pitchFamily="49" charset="0"/>
+              </a:rPr>
               <a:t>:-2 }} // ['b', 'c']</a:t>
             </a:r>
           </a:p>
@@ -9569,155 +9793,225 @@
           <a:p>
             <a:pPr lvl="1"/>
             <a:r>
-              <a:rPr lang="fr-FR" dirty="0"/>
+              <a:rPr lang="fr-FR" sz="1600" b="1" dirty="0">
+                <a:latin typeface="Consolas" panose="020B0609020204030204" pitchFamily="49" charset="0"/>
+              </a:rPr>
               <a:t>var pierre = {</a:t>
             </a:r>
             <a:r>
-              <a:rPr lang="fr-FR" dirty="0" err="1"/>
+              <a:rPr lang="fr-FR" sz="1600" b="1" dirty="0" err="1">
+                <a:latin typeface="Consolas" panose="020B0609020204030204" pitchFamily="49" charset="0"/>
+              </a:rPr>
               <a:t>name</a:t>
             </a:r>
             <a:r>
-              <a:rPr lang="fr-FR" dirty="0"/>
+              <a:rPr lang="fr-FR" sz="1600" b="1" dirty="0">
+                <a:latin typeface="Consolas" panose="020B0609020204030204" pitchFamily="49" charset="0"/>
+              </a:rPr>
               <a:t>: 'Pierre', </a:t>
             </a:r>
             <a:r>
-              <a:rPr lang="fr-FR" dirty="0" err="1"/>
+              <a:rPr lang="fr-FR" sz="1600" b="1" dirty="0" err="1">
+                <a:latin typeface="Consolas" panose="020B0609020204030204" pitchFamily="49" charset="0"/>
+              </a:rPr>
               <a:t>gender</a:t>
             </a:r>
             <a:r>
-              <a:rPr lang="fr-FR" dirty="0"/>
+              <a:rPr lang="fr-FR" sz="1600" b="1" dirty="0">
+                <a:latin typeface="Consolas" panose="020B0609020204030204" pitchFamily="49" charset="0"/>
+              </a:rPr>
               <a:t>: 'male'};</a:t>
             </a:r>
           </a:p>
           <a:p>
             <a:pPr lvl="1"/>
             <a:r>
-              <a:rPr lang="fr-FR" dirty="0"/>
+              <a:rPr lang="fr-FR" sz="1600" b="1" dirty="0">
+                <a:latin typeface="Consolas" panose="020B0609020204030204" pitchFamily="49" charset="0"/>
+              </a:rPr>
               <a:t>var </a:t>
             </a:r>
             <a:r>
-              <a:rPr lang="fr-FR" dirty="0" err="1"/>
+              <a:rPr lang="fr-FR" sz="1600" b="1" dirty="0" err="1">
+                <a:latin typeface="Consolas" panose="020B0609020204030204" pitchFamily="49" charset="0"/>
+              </a:rPr>
               <a:t>paul</a:t>
             </a:r>
             <a:r>
-              <a:rPr lang="fr-FR" dirty="0"/>
+              <a:rPr lang="fr-FR" sz="1600" b="1" dirty="0">
+                <a:latin typeface="Consolas" panose="020B0609020204030204" pitchFamily="49" charset="0"/>
+              </a:rPr>
               <a:t> = {</a:t>
             </a:r>
             <a:r>
-              <a:rPr lang="fr-FR" dirty="0" err="1"/>
+              <a:rPr lang="fr-FR" sz="1600" b="1" dirty="0" err="1">
+                <a:latin typeface="Consolas" panose="020B0609020204030204" pitchFamily="49" charset="0"/>
+              </a:rPr>
               <a:t>name</a:t>
             </a:r>
             <a:r>
-              <a:rPr lang="fr-FR" dirty="0"/>
+              <a:rPr lang="fr-FR" sz="1600" b="1" dirty="0">
+                <a:latin typeface="Consolas" panose="020B0609020204030204" pitchFamily="49" charset="0"/>
+              </a:rPr>
               <a:t>: 'Paul', </a:t>
             </a:r>
             <a:r>
-              <a:rPr lang="fr-FR" dirty="0" err="1"/>
+              <a:rPr lang="fr-FR" sz="1600" b="1" dirty="0" err="1">
+                <a:latin typeface="Consolas" panose="020B0609020204030204" pitchFamily="49" charset="0"/>
+              </a:rPr>
               <a:t>gender</a:t>
             </a:r>
             <a:r>
-              <a:rPr lang="fr-FR" dirty="0"/>
+              <a:rPr lang="fr-FR" sz="1600" b="1" dirty="0">
+                <a:latin typeface="Consolas" panose="020B0609020204030204" pitchFamily="49" charset="0"/>
+              </a:rPr>
               <a:t>: 'male'};</a:t>
             </a:r>
           </a:p>
           <a:p>
             <a:pPr lvl="1"/>
             <a:r>
-              <a:rPr lang="fr-FR" dirty="0"/>
+              <a:rPr lang="fr-FR" sz="1600" b="1" dirty="0">
+                <a:latin typeface="Consolas" panose="020B0609020204030204" pitchFamily="49" charset="0"/>
+              </a:rPr>
               <a:t>var marie = {</a:t>
             </a:r>
             <a:r>
-              <a:rPr lang="fr-FR" dirty="0" err="1"/>
+              <a:rPr lang="fr-FR" sz="1600" b="1" dirty="0" err="1">
+                <a:latin typeface="Consolas" panose="020B0609020204030204" pitchFamily="49" charset="0"/>
+              </a:rPr>
               <a:t>name</a:t>
             </a:r>
             <a:r>
-              <a:rPr lang="fr-FR" dirty="0"/>
+              <a:rPr lang="fr-FR" sz="1600" b="1" dirty="0">
+                <a:latin typeface="Consolas" panose="020B0609020204030204" pitchFamily="49" charset="0"/>
+              </a:rPr>
               <a:t>: 'Marie', </a:t>
             </a:r>
             <a:r>
-              <a:rPr lang="fr-FR" dirty="0" err="1"/>
+              <a:rPr lang="fr-FR" sz="1600" b="1" dirty="0" err="1">
+                <a:latin typeface="Consolas" panose="020B0609020204030204" pitchFamily="49" charset="0"/>
+              </a:rPr>
               <a:t>gender</a:t>
             </a:r>
             <a:r>
-              <a:rPr lang="fr-FR" dirty="0"/>
+              <a:rPr lang="fr-FR" sz="1600" b="1" dirty="0">
+                <a:latin typeface="Consolas" panose="020B0609020204030204" pitchFamily="49" charset="0"/>
+              </a:rPr>
               <a:t>: '</a:t>
             </a:r>
             <a:r>
-              <a:rPr lang="fr-FR" dirty="0" err="1"/>
+              <a:rPr lang="fr-FR" sz="1600" b="1" dirty="0" err="1">
+                <a:latin typeface="Consolas" panose="020B0609020204030204" pitchFamily="49" charset="0"/>
+              </a:rPr>
               <a:t>female</a:t>
             </a:r>
             <a:r>
-              <a:rPr lang="fr-FR" dirty="0"/>
+              <a:rPr lang="fr-FR" sz="1600" b="1" dirty="0">
+                <a:latin typeface="Consolas" panose="020B0609020204030204" pitchFamily="49" charset="0"/>
+              </a:rPr>
               <a:t>'};</a:t>
             </a:r>
           </a:p>
           <a:p>
             <a:pPr lvl="1"/>
             <a:r>
-              <a:rPr lang="fr-FR" dirty="0"/>
+              <a:rPr lang="fr-FR" sz="1600" b="1" dirty="0">
+                <a:latin typeface="Consolas" panose="020B0609020204030204" pitchFamily="49" charset="0"/>
+              </a:rPr>
               <a:t>var </a:t>
             </a:r>
             <a:r>
-              <a:rPr lang="fr-FR" dirty="0" err="1"/>
+              <a:rPr lang="fr-FR" sz="1600" b="1" dirty="0" err="1">
+                <a:latin typeface="Consolas" panose="020B0609020204030204" pitchFamily="49" charset="0"/>
+              </a:rPr>
               <a:t>julie</a:t>
             </a:r>
             <a:r>
-              <a:rPr lang="fr-FR" dirty="0"/>
+              <a:rPr lang="fr-FR" sz="1600" b="1" dirty="0">
+                <a:latin typeface="Consolas" panose="020B0609020204030204" pitchFamily="49" charset="0"/>
+              </a:rPr>
               <a:t> = {</a:t>
             </a:r>
             <a:r>
-              <a:rPr lang="fr-FR" dirty="0" err="1"/>
+              <a:rPr lang="fr-FR" sz="1600" b="1" dirty="0" err="1">
+                <a:latin typeface="Consolas" panose="020B0609020204030204" pitchFamily="49" charset="0"/>
+              </a:rPr>
               <a:t>name</a:t>
             </a:r>
             <a:r>
-              <a:rPr lang="fr-FR" dirty="0"/>
+              <a:rPr lang="fr-FR" sz="1600" b="1" dirty="0">
+                <a:latin typeface="Consolas" panose="020B0609020204030204" pitchFamily="49" charset="0"/>
+              </a:rPr>
               <a:t>: 'Julie', </a:t>
             </a:r>
             <a:r>
-              <a:rPr lang="fr-FR" dirty="0" err="1"/>
+              <a:rPr lang="fr-FR" sz="1600" b="1" dirty="0" err="1">
+                <a:latin typeface="Consolas" panose="020B0609020204030204" pitchFamily="49" charset="0"/>
+              </a:rPr>
               <a:t>gender</a:t>
             </a:r>
             <a:r>
-              <a:rPr lang="fr-FR" dirty="0"/>
+              <a:rPr lang="fr-FR" sz="1600" b="1" dirty="0">
+                <a:latin typeface="Consolas" panose="020B0609020204030204" pitchFamily="49" charset="0"/>
+              </a:rPr>
               <a:t>: '</a:t>
             </a:r>
             <a:r>
-              <a:rPr lang="fr-FR" dirty="0" err="1"/>
+              <a:rPr lang="fr-FR" sz="1600" b="1" dirty="0" err="1">
+                <a:latin typeface="Consolas" panose="020B0609020204030204" pitchFamily="49" charset="0"/>
+              </a:rPr>
               <a:t>female</a:t>
             </a:r>
             <a:r>
-              <a:rPr lang="fr-FR" dirty="0"/>
+              <a:rPr lang="fr-FR" sz="1600" b="1" dirty="0">
+                <a:latin typeface="Consolas" panose="020B0609020204030204" pitchFamily="49" charset="0"/>
+              </a:rPr>
               <a:t>'};</a:t>
             </a:r>
           </a:p>
           <a:p>
             <a:pPr lvl="1"/>
             <a:r>
-              <a:rPr lang="fr-FR" dirty="0"/>
+              <a:rPr lang="fr-FR" sz="1600" b="1" dirty="0">
+                <a:latin typeface="Consolas" panose="020B0609020204030204" pitchFamily="49" charset="0"/>
+              </a:rPr>
               <a:t>$</a:t>
             </a:r>
             <a:r>
-              <a:rPr lang="fr-FR" dirty="0" err="1"/>
+              <a:rPr lang="fr-FR" sz="1600" b="1" dirty="0" err="1">
+                <a:latin typeface="Consolas" panose="020B0609020204030204" pitchFamily="49" charset="0"/>
+              </a:rPr>
               <a:t>scope.persons</a:t>
             </a:r>
             <a:r>
-              <a:rPr lang="fr-FR" dirty="0"/>
+              <a:rPr lang="fr-FR" sz="1600" b="1" dirty="0">
+                <a:latin typeface="Consolas" panose="020B0609020204030204" pitchFamily="49" charset="0"/>
+              </a:rPr>
               <a:t> = [pierre, </a:t>
             </a:r>
             <a:r>
-              <a:rPr lang="fr-FR" dirty="0" err="1"/>
+              <a:rPr lang="fr-FR" sz="1600" b="1" dirty="0" err="1">
+                <a:latin typeface="Consolas" panose="020B0609020204030204" pitchFamily="49" charset="0"/>
+              </a:rPr>
               <a:t>paul</a:t>
             </a:r>
             <a:r>
-              <a:rPr lang="fr-FR" dirty="0"/>
+              <a:rPr lang="fr-FR" sz="1600" b="1" dirty="0">
+                <a:latin typeface="Consolas" panose="020B0609020204030204" pitchFamily="49" charset="0"/>
+              </a:rPr>
               <a:t>, marie, </a:t>
             </a:r>
             <a:r>
-              <a:rPr lang="fr-FR" dirty="0" err="1"/>
+              <a:rPr lang="fr-FR" sz="1600" b="1" dirty="0" err="1">
+                <a:latin typeface="Consolas" panose="020B0609020204030204" pitchFamily="49" charset="0"/>
+              </a:rPr>
               <a:t>julie</a:t>
             </a:r>
             <a:r>
-              <a:rPr lang="fr-FR" dirty="0"/>
+              <a:rPr lang="fr-FR" sz="1600" b="1" dirty="0">
+                <a:latin typeface="Consolas" panose="020B0609020204030204" pitchFamily="49" charset="0"/>
+              </a:rPr>
               <a:t>];</a:t>
             </a:r>
           </a:p>
@@ -9730,70 +10024,102 @@
           <a:p>
             <a:pPr lvl="1"/>
             <a:r>
-              <a:rPr lang="fr-FR" dirty="0"/>
+              <a:rPr lang="fr-FR" sz="1600" b="1" dirty="0">
+                <a:latin typeface="Consolas" panose="020B0609020204030204" pitchFamily="49" charset="0"/>
+              </a:rPr>
               <a:t>{{ </a:t>
             </a:r>
             <a:r>
-              <a:rPr lang="fr-FR" dirty="0" err="1"/>
+              <a:rPr lang="fr-FR" sz="1600" b="1" dirty="0" err="1">
+                <a:latin typeface="Consolas" panose="020B0609020204030204" pitchFamily="49" charset="0"/>
+              </a:rPr>
               <a:t>persons</a:t>
             </a:r>
             <a:r>
-              <a:rPr lang="fr-FR" dirty="0"/>
+              <a:rPr lang="fr-FR" sz="1600" b="1" dirty="0">
+                <a:latin typeface="Consolas" panose="020B0609020204030204" pitchFamily="49" charset="0"/>
+              </a:rPr>
               <a:t> | </a:t>
             </a:r>
             <a:r>
-              <a:rPr lang="fr-FR" dirty="0" err="1"/>
+              <a:rPr lang="fr-FR" sz="1600" b="1" dirty="0" err="1">
+                <a:latin typeface="Consolas" panose="020B0609020204030204" pitchFamily="49" charset="0"/>
+              </a:rPr>
               <a:t>orderBy</a:t>
             </a:r>
             <a:r>
-              <a:rPr lang="fr-FR" dirty="0"/>
+              <a:rPr lang="fr-FR" sz="1600" b="1" dirty="0">
+                <a:latin typeface="Consolas" panose="020B0609020204030204" pitchFamily="49" charset="0"/>
+              </a:rPr>
               <a:t>: '</a:t>
             </a:r>
             <a:r>
-              <a:rPr lang="fr-FR" dirty="0" err="1"/>
+              <a:rPr lang="fr-FR" sz="1600" b="1" dirty="0" err="1">
+                <a:latin typeface="Consolas" panose="020B0609020204030204" pitchFamily="49" charset="0"/>
+              </a:rPr>
               <a:t>name</a:t>
             </a:r>
             <a:r>
-              <a:rPr lang="fr-FR" dirty="0"/>
+              <a:rPr lang="fr-FR" sz="1600" b="1" dirty="0">
+                <a:latin typeface="Consolas" panose="020B0609020204030204" pitchFamily="49" charset="0"/>
+              </a:rPr>
               <a:t>'}} // Julie, Marie, Paul, Pierre</a:t>
             </a:r>
           </a:p>
           <a:p>
             <a:pPr lvl="1"/>
             <a:r>
-              <a:rPr lang="fr-FR" dirty="0"/>
+              <a:rPr lang="fr-FR" sz="1600" b="1" dirty="0">
+                <a:latin typeface="Consolas" panose="020B0609020204030204" pitchFamily="49" charset="0"/>
+              </a:rPr>
               <a:t>{{ </a:t>
             </a:r>
             <a:r>
-              <a:rPr lang="fr-FR" dirty="0" err="1"/>
+              <a:rPr lang="fr-FR" sz="1600" b="1" dirty="0" err="1">
+                <a:latin typeface="Consolas" panose="020B0609020204030204" pitchFamily="49" charset="0"/>
+              </a:rPr>
               <a:t>persons</a:t>
             </a:r>
             <a:r>
-              <a:rPr lang="fr-FR" dirty="0"/>
+              <a:rPr lang="fr-FR" sz="1600" b="1" dirty="0">
+                <a:latin typeface="Consolas" panose="020B0609020204030204" pitchFamily="49" charset="0"/>
+              </a:rPr>
               <a:t> | </a:t>
             </a:r>
             <a:r>
-              <a:rPr lang="fr-FR" dirty="0" err="1"/>
+              <a:rPr lang="fr-FR" sz="1600" b="1" dirty="0" err="1">
+                <a:latin typeface="Consolas" panose="020B0609020204030204" pitchFamily="49" charset="0"/>
+              </a:rPr>
               <a:t>orderBy</a:t>
             </a:r>
             <a:r>
-              <a:rPr lang="fr-FR" dirty="0"/>
+              <a:rPr lang="fr-FR" sz="1600" b="1" dirty="0">
+                <a:latin typeface="Consolas" panose="020B0609020204030204" pitchFamily="49" charset="0"/>
+              </a:rPr>
               <a:t>: ['</a:t>
             </a:r>
             <a:r>
-              <a:rPr lang="fr-FR" dirty="0" err="1"/>
+              <a:rPr lang="fr-FR" sz="1600" b="1" dirty="0" err="1">
+                <a:latin typeface="Consolas" panose="020B0609020204030204" pitchFamily="49" charset="0"/>
+              </a:rPr>
               <a:t>gender</a:t>
             </a:r>
             <a:r>
-              <a:rPr lang="fr-FR" dirty="0"/>
+              <a:rPr lang="fr-FR" sz="1600" b="1" dirty="0">
+                <a:latin typeface="Consolas" panose="020B0609020204030204" pitchFamily="49" charset="0"/>
+              </a:rPr>
               <a:t>', '-</a:t>
             </a:r>
             <a:r>
-              <a:rPr lang="fr-FR" dirty="0" err="1"/>
+              <a:rPr lang="fr-FR" sz="1600" b="1" dirty="0" err="1">
+                <a:latin typeface="Consolas" panose="020B0609020204030204" pitchFamily="49" charset="0"/>
+              </a:rPr>
               <a:t>name</a:t>
             </a:r>
             <a:r>
-              <a:rPr lang="fr-FR" dirty="0"/>
+              <a:rPr lang="fr-FR" sz="1600" b="1" dirty="0">
+                <a:latin typeface="Consolas" panose="020B0609020204030204" pitchFamily="49" charset="0"/>
+              </a:rPr>
               <a:t>']}}// Marie, Julie, Pierre, Paul</a:t>
             </a:r>
           </a:p>
@@ -9921,7 +10247,7 @@
         <p:spPr/>
         <p:txBody>
           <a:bodyPr>
-            <a:normAutofit lnSpcReduction="10000"/>
+            <a:normAutofit/>
           </a:bodyPr>
           <a:lstStyle/>
           <a:p>
@@ -9941,96 +10267,26 @@
             <a:endParaRPr lang="fr-FR" dirty="0"/>
           </a:p>
           <a:p>
-            <a:pPr lvl="1">
-              <a:buNone/>
-            </a:pPr>
-            <a:r>
-              <a:rPr lang="fr-FR" dirty="0"/>
-              <a:t>&lt;input type="</a:t>
-            </a:r>
-            <a:r>
-              <a:rPr lang="fr-FR" dirty="0" err="1"/>
-              <a:t>text</a:t>
-            </a:r>
-            <a:r>
-              <a:rPr lang="fr-FR" dirty="0"/>
-              <a:t>" </a:t>
-            </a:r>
-            <a:r>
-              <a:rPr lang="fr-FR" dirty="0" err="1"/>
-              <a:t>ng</a:t>
-            </a:r>
-            <a:r>
-              <a:rPr lang="fr-FR" dirty="0"/>
-              <a:t>-model="</a:t>
-            </a:r>
-            <a:r>
-              <a:rPr lang="fr-FR" dirty="0" err="1"/>
-              <a:t>mysearch</a:t>
-            </a:r>
-            <a:r>
-              <a:rPr lang="fr-FR" dirty="0"/>
-              <a:t>"/&gt;</a:t>
-            </a:r>
-          </a:p>
-          <a:p>
-            <a:pPr lvl="1">
-              <a:buNone/>
-            </a:pPr>
-            <a:r>
-              <a:rPr lang="fr-FR" dirty="0"/>
-              <a:t>&lt;tr </a:t>
-            </a:r>
-            <a:r>
-              <a:rPr lang="fr-FR" dirty="0" err="1"/>
-              <a:t>ng</a:t>
-            </a:r>
-            <a:r>
-              <a:rPr lang="fr-FR" dirty="0"/>
-              <a:t>-</a:t>
-            </a:r>
-            <a:r>
-              <a:rPr lang="fr-FR" dirty="0" err="1"/>
-              <a:t>repeat</a:t>
-            </a:r>
-            <a:r>
-              <a:rPr lang="fr-FR" dirty="0"/>
-              <a:t>="</a:t>
-            </a:r>
-            <a:r>
-              <a:rPr lang="fr-FR" dirty="0" err="1"/>
-              <a:t>person</a:t>
-            </a:r>
-            <a:r>
-              <a:rPr lang="fr-FR" dirty="0"/>
-              <a:t> in </a:t>
-            </a:r>
-            <a:r>
-              <a:rPr lang="fr-FR" dirty="0" err="1"/>
-              <a:t>persons</a:t>
-            </a:r>
-            <a:r>
-              <a:rPr lang="fr-FR" dirty="0"/>
-              <a:t> | </a:t>
-            </a:r>
-            <a:r>
-              <a:rPr lang="fr-FR" dirty="0" err="1"/>
-              <a:t>filter:mysearch</a:t>
-            </a:r>
-            <a:r>
-              <a:rPr lang="fr-FR" dirty="0"/>
-              <a:t>"&gt;</a:t>
-            </a:r>
-          </a:p>
-          <a:p>
             <a:pPr lvl="1"/>
             <a:endParaRPr lang="fr-FR" dirty="0"/>
           </a:p>
           <a:p>
             <a:pPr lvl="1"/>
+            <a:endParaRPr lang="fr-FR" dirty="0" smtClean="0"/>
+          </a:p>
+          <a:p>
+            <a:pPr lvl="1"/>
+            <a:r>
+              <a:rPr lang="fr-FR" dirty="0" smtClean="0"/>
+              <a:t>Ou </a:t>
+            </a:r>
             <a:r>
               <a:rPr lang="fr-FR" dirty="0"/>
-              <a:t>Ou sur un propriété spécifique :</a:t>
+              <a:t>sur un propriété spécifique </a:t>
+            </a:r>
+            <a:r>
+              <a:rPr lang="fr-FR" dirty="0" smtClean="0"/>
+              <a:t>:</a:t>
             </a:r>
           </a:p>
           <a:p>
@@ -10038,190 +10294,22 @@
             <a:endParaRPr lang="fr-FR" dirty="0"/>
           </a:p>
           <a:p>
-            <a:pPr lvl="1">
-              <a:buNone/>
-            </a:pPr>
+            <a:pPr lvl="1"/>
+            <a:endParaRPr lang="fr-FR" dirty="0" smtClean="0"/>
+          </a:p>
+          <a:p>
+            <a:pPr lvl="1"/>
+            <a:endParaRPr lang="fr-FR" dirty="0"/>
+          </a:p>
+          <a:p>
+            <a:pPr lvl="1"/>
+            <a:r>
+              <a:rPr lang="fr-FR" dirty="0" smtClean="0"/>
+              <a:t>Ou </a:t>
+            </a:r>
             <a:r>
               <a:rPr lang="fr-FR" dirty="0"/>
-              <a:t>&lt;input type="</a:t>
-            </a:r>
-            <a:r>
-              <a:rPr lang="fr-FR" dirty="0" err="1"/>
-              <a:t>text</a:t>
-            </a:r>
-            <a:r>
-              <a:rPr lang="fr-FR" dirty="0"/>
-              <a:t>" </a:t>
-            </a:r>
-            <a:r>
-              <a:rPr lang="fr-FR" dirty="0" err="1"/>
-              <a:t>ng</a:t>
-            </a:r>
-            <a:r>
-              <a:rPr lang="fr-FR" dirty="0"/>
-              <a:t>-model="</a:t>
-            </a:r>
-            <a:r>
-              <a:rPr lang="fr-FR" dirty="0" err="1"/>
-              <a:t>mysearch</a:t>
-            </a:r>
-            <a:r>
-              <a:rPr lang="fr-FR" dirty="0"/>
-              <a:t>"/&gt;</a:t>
-            </a:r>
-          </a:p>
-          <a:p>
-            <a:pPr lvl="1">
-              <a:buNone/>
-            </a:pPr>
-            <a:r>
-              <a:rPr lang="fr-FR" dirty="0"/>
-              <a:t>&lt;tr </a:t>
-            </a:r>
-            <a:r>
-              <a:rPr lang="fr-FR" dirty="0" err="1"/>
-              <a:t>ng</a:t>
-            </a:r>
-            <a:r>
-              <a:rPr lang="fr-FR" dirty="0"/>
-              <a:t>-</a:t>
-            </a:r>
-            <a:r>
-              <a:rPr lang="fr-FR" dirty="0" err="1"/>
-              <a:t>repeat</a:t>
-            </a:r>
-            <a:r>
-              <a:rPr lang="fr-FR" dirty="0"/>
-              <a:t>="</a:t>
-            </a:r>
-            <a:r>
-              <a:rPr lang="fr-FR" dirty="0" err="1"/>
-              <a:t>person</a:t>
-            </a:r>
-            <a:r>
-              <a:rPr lang="fr-FR" dirty="0"/>
-              <a:t> in </a:t>
-            </a:r>
-            <a:r>
-              <a:rPr lang="fr-FR" dirty="0" err="1"/>
-              <a:t>persons</a:t>
-            </a:r>
-            <a:r>
-              <a:rPr lang="fr-FR" dirty="0"/>
-              <a:t> | </a:t>
-            </a:r>
-            <a:r>
-              <a:rPr lang="fr-FR" dirty="0" err="1"/>
-              <a:t>filter</a:t>
-            </a:r>
-            <a:r>
-              <a:rPr lang="fr-FR" dirty="0"/>
-              <a:t>:  { </a:t>
-            </a:r>
-            <a:r>
-              <a:rPr lang="fr-FR" dirty="0" err="1"/>
-              <a:t>name</a:t>
-            </a:r>
-            <a:r>
-              <a:rPr lang="fr-FR" dirty="0"/>
-              <a:t> : </a:t>
-            </a:r>
-            <a:r>
-              <a:rPr lang="fr-FR" dirty="0" err="1"/>
-              <a:t>mysearch</a:t>
-            </a:r>
-            <a:r>
-              <a:rPr lang="fr-FR" dirty="0"/>
-              <a:t> }"&gt;</a:t>
-            </a:r>
-          </a:p>
-          <a:p>
-            <a:pPr lvl="1">
-              <a:buNone/>
-            </a:pPr>
-            <a:endParaRPr lang="fr-FR" dirty="0"/>
-          </a:p>
-          <a:p>
-            <a:pPr lvl="1">
-              <a:buNone/>
-            </a:pPr>
-            <a:r>
-              <a:rPr lang="fr-FR" dirty="0"/>
-              <a:t>ou de même : </a:t>
-            </a:r>
-          </a:p>
-          <a:p>
-            <a:pPr lvl="1">
-              <a:buNone/>
-            </a:pPr>
-            <a:r>
-              <a:rPr lang="fr-FR" dirty="0"/>
-              <a:t>&lt;input type="</a:t>
-            </a:r>
-            <a:r>
-              <a:rPr lang="fr-FR" dirty="0" err="1"/>
-              <a:t>text</a:t>
-            </a:r>
-            <a:r>
-              <a:rPr lang="fr-FR" dirty="0"/>
-              <a:t>" </a:t>
-            </a:r>
-            <a:r>
-              <a:rPr lang="fr-FR" dirty="0" err="1"/>
-              <a:t>ng</a:t>
-            </a:r>
-            <a:r>
-              <a:rPr lang="fr-FR" dirty="0"/>
-              <a:t>-model="mysearch.name"/&gt;</a:t>
-            </a:r>
-          </a:p>
-          <a:p>
-            <a:pPr lvl="1">
-              <a:buNone/>
-            </a:pPr>
-            <a:r>
-              <a:rPr lang="fr-FR" dirty="0"/>
-              <a:t>&lt;tr </a:t>
-            </a:r>
-            <a:r>
-              <a:rPr lang="fr-FR" dirty="0" err="1"/>
-              <a:t>ng</a:t>
-            </a:r>
-            <a:r>
-              <a:rPr lang="fr-FR" dirty="0"/>
-              <a:t>-</a:t>
-            </a:r>
-            <a:r>
-              <a:rPr lang="fr-FR" dirty="0" err="1"/>
-              <a:t>repeat</a:t>
-            </a:r>
-            <a:r>
-              <a:rPr lang="fr-FR" dirty="0"/>
-              <a:t>="</a:t>
-            </a:r>
-            <a:r>
-              <a:rPr lang="fr-FR" dirty="0" err="1"/>
-              <a:t>person</a:t>
-            </a:r>
-            <a:r>
-              <a:rPr lang="fr-FR" dirty="0"/>
-              <a:t> in </a:t>
-            </a:r>
-            <a:r>
-              <a:rPr lang="fr-FR" dirty="0" err="1"/>
-              <a:t>persons</a:t>
-            </a:r>
-            <a:r>
-              <a:rPr lang="fr-FR" dirty="0"/>
-              <a:t> | </a:t>
-            </a:r>
-            <a:r>
-              <a:rPr lang="fr-FR" dirty="0" err="1"/>
-              <a:t>filter:mysearch</a:t>
-            </a:r>
-            <a:r>
-              <a:rPr lang="fr-FR" dirty="0"/>
-              <a:t>"&gt;</a:t>
+              <a:t>de même : </a:t>
             </a:r>
           </a:p>
         </p:txBody>
@@ -10307,6 +10395,558 @@
           <a:lstStyle/>
           <a:p>
             <a:endParaRPr lang="fr-FR"/>
+          </a:p>
+        </p:txBody>
+      </p:sp>
+      <p:sp>
+        <p:nvSpPr>
+          <p:cNvPr id="7" name="ZoneTexte 6"/>
+          <p:cNvSpPr txBox="1"/>
+          <p:nvPr/>
+        </p:nvSpPr>
+        <p:spPr>
+          <a:xfrm>
+            <a:off x="649089" y="2773567"/>
+            <a:ext cx="8088511" cy="646331"/>
+          </a:xfrm>
+          <a:prstGeom prst="rect">
+            <a:avLst/>
+          </a:prstGeom>
+          <a:noFill/>
+        </p:spPr>
+        <p:txBody>
+          <a:bodyPr wrap="square" rtlCol="0">
+            <a:spAutoFit/>
+          </a:bodyPr>
+          <a:lstStyle/>
+          <a:p>
+            <a:r>
+              <a:rPr lang="en-US" dirty="0">
+                <a:latin typeface="Consolas" panose="020B0609020204030204" pitchFamily="49" charset="0"/>
+              </a:rPr>
+              <a:t>&lt;</a:t>
+            </a:r>
+            <a:r>
+              <a:rPr lang="en-US" b="1" dirty="0">
+                <a:solidFill>
+                  <a:srgbClr val="008000"/>
+                </a:solidFill>
+                <a:latin typeface="Consolas" panose="020B0609020204030204" pitchFamily="49" charset="0"/>
+              </a:rPr>
+              <a:t>input </a:t>
+            </a:r>
+            <a:r>
+              <a:rPr lang="en-US" b="1" dirty="0">
+                <a:solidFill>
+                  <a:srgbClr val="7D9029"/>
+                </a:solidFill>
+                <a:latin typeface="Consolas" panose="020B0609020204030204" pitchFamily="49" charset="0"/>
+              </a:rPr>
+              <a:t>type</a:t>
+            </a:r>
+            <a:r>
+              <a:rPr lang="en-US" b="1" dirty="0">
+                <a:solidFill>
+                  <a:srgbClr val="666666"/>
+                </a:solidFill>
+                <a:latin typeface="Consolas" panose="020B0609020204030204" pitchFamily="49" charset="0"/>
+              </a:rPr>
+              <a:t>=</a:t>
+            </a:r>
+            <a:r>
+              <a:rPr lang="en-US" b="1" dirty="0">
+                <a:solidFill>
+                  <a:srgbClr val="BA2121"/>
+                </a:solidFill>
+                <a:latin typeface="Consolas" panose="020B0609020204030204" pitchFamily="49" charset="0"/>
+              </a:rPr>
+              <a:t>"text" </a:t>
+            </a:r>
+            <a:r>
+              <a:rPr lang="en-US" b="1" dirty="0">
+                <a:solidFill>
+                  <a:srgbClr val="7D9029"/>
+                </a:solidFill>
+                <a:latin typeface="Consolas" panose="020B0609020204030204" pitchFamily="49" charset="0"/>
+              </a:rPr>
+              <a:t>ng-model</a:t>
+            </a:r>
+            <a:r>
+              <a:rPr lang="en-US" b="1" dirty="0">
+                <a:solidFill>
+                  <a:srgbClr val="666666"/>
+                </a:solidFill>
+                <a:latin typeface="Consolas" panose="020B0609020204030204" pitchFamily="49" charset="0"/>
+              </a:rPr>
+              <a:t>=</a:t>
+            </a:r>
+            <a:r>
+              <a:rPr lang="en-US" b="1" dirty="0">
+                <a:solidFill>
+                  <a:srgbClr val="BA2121"/>
+                </a:solidFill>
+                <a:latin typeface="Consolas" panose="020B0609020204030204" pitchFamily="49" charset="0"/>
+              </a:rPr>
+              <a:t>"</a:t>
+            </a:r>
+            <a:r>
+              <a:rPr lang="en-US" b="1" dirty="0" err="1">
+                <a:solidFill>
+                  <a:srgbClr val="BA2121"/>
+                </a:solidFill>
+                <a:latin typeface="Consolas" panose="020B0609020204030204" pitchFamily="49" charset="0"/>
+              </a:rPr>
+              <a:t>mysearch</a:t>
+            </a:r>
+            <a:r>
+              <a:rPr lang="en-US" b="1" dirty="0">
+                <a:solidFill>
+                  <a:srgbClr val="BA2121"/>
+                </a:solidFill>
+                <a:latin typeface="Consolas" panose="020B0609020204030204" pitchFamily="49" charset="0"/>
+              </a:rPr>
+              <a:t>"/&gt;</a:t>
+            </a:r>
+          </a:p>
+          <a:p>
+            <a:r>
+              <a:rPr lang="en-US" dirty="0">
+                <a:latin typeface="Consolas" panose="020B0609020204030204" pitchFamily="49" charset="0"/>
+              </a:rPr>
+              <a:t>&lt;</a:t>
+            </a:r>
+            <a:r>
+              <a:rPr lang="en-US" b="1" dirty="0" err="1">
+                <a:solidFill>
+                  <a:srgbClr val="008000"/>
+                </a:solidFill>
+                <a:latin typeface="Consolas" panose="020B0609020204030204" pitchFamily="49" charset="0"/>
+              </a:rPr>
+              <a:t>tr</a:t>
+            </a:r>
+            <a:r>
+              <a:rPr lang="en-US" b="1" dirty="0">
+                <a:solidFill>
+                  <a:srgbClr val="008000"/>
+                </a:solidFill>
+                <a:latin typeface="Consolas" panose="020B0609020204030204" pitchFamily="49" charset="0"/>
+              </a:rPr>
+              <a:t> </a:t>
+            </a:r>
+            <a:r>
+              <a:rPr lang="en-US" b="1" dirty="0">
+                <a:solidFill>
+                  <a:srgbClr val="7D9029"/>
+                </a:solidFill>
+                <a:latin typeface="Consolas" panose="020B0609020204030204" pitchFamily="49" charset="0"/>
+              </a:rPr>
+              <a:t>ng-repeat</a:t>
+            </a:r>
+            <a:r>
+              <a:rPr lang="en-US" b="1" dirty="0">
+                <a:solidFill>
+                  <a:srgbClr val="666666"/>
+                </a:solidFill>
+                <a:latin typeface="Consolas" panose="020B0609020204030204" pitchFamily="49" charset="0"/>
+              </a:rPr>
+              <a:t>=</a:t>
+            </a:r>
+            <a:r>
+              <a:rPr lang="en-US" b="1" dirty="0">
+                <a:solidFill>
+                  <a:srgbClr val="BA2121"/>
+                </a:solidFill>
+                <a:latin typeface="Consolas" panose="020B0609020204030204" pitchFamily="49" charset="0"/>
+              </a:rPr>
+              <a:t>"person in persons | </a:t>
+            </a:r>
+            <a:r>
+              <a:rPr lang="en-US" b="1" dirty="0" err="1">
+                <a:solidFill>
+                  <a:srgbClr val="BA2121"/>
+                </a:solidFill>
+                <a:latin typeface="Consolas" panose="020B0609020204030204" pitchFamily="49" charset="0"/>
+              </a:rPr>
+              <a:t>filter:mysearch</a:t>
+            </a:r>
+            <a:r>
+              <a:rPr lang="en-US" b="1" dirty="0" smtClean="0">
+                <a:solidFill>
+                  <a:srgbClr val="BA2121"/>
+                </a:solidFill>
+                <a:latin typeface="Consolas" panose="020B0609020204030204" pitchFamily="49" charset="0"/>
+              </a:rPr>
+              <a:t>"&gt;</a:t>
+            </a:r>
+            <a:endParaRPr lang="en-US" b="1" dirty="0">
+              <a:solidFill>
+                <a:srgbClr val="BA2121"/>
+              </a:solidFill>
+              <a:latin typeface="Consolas" panose="020B0609020204030204" pitchFamily="49" charset="0"/>
+            </a:endParaRPr>
+          </a:p>
+        </p:txBody>
+      </p:sp>
+      <p:sp>
+        <p:nvSpPr>
+          <p:cNvPr id="8" name="ZoneTexte 7"/>
+          <p:cNvSpPr txBox="1"/>
+          <p:nvPr/>
+        </p:nvSpPr>
+        <p:spPr>
+          <a:xfrm>
+            <a:off x="649089" y="3977019"/>
+            <a:ext cx="9093501" cy="646331"/>
+          </a:xfrm>
+          <a:prstGeom prst="rect">
+            <a:avLst/>
+          </a:prstGeom>
+          <a:noFill/>
+        </p:spPr>
+        <p:txBody>
+          <a:bodyPr wrap="square" rtlCol="0">
+            <a:spAutoFit/>
+          </a:bodyPr>
+          <a:lstStyle/>
+          <a:p>
+            <a:r>
+              <a:rPr lang="en-US" dirty="0" smtClean="0">
+                <a:latin typeface="Consolas" panose="020B0609020204030204" pitchFamily="49" charset="0"/>
+              </a:rPr>
+              <a:t>&lt;</a:t>
+            </a:r>
+            <a:r>
+              <a:rPr lang="en-US" b="1" dirty="0">
+                <a:solidFill>
+                  <a:srgbClr val="008000"/>
+                </a:solidFill>
+                <a:latin typeface="Consolas" panose="020B0609020204030204" pitchFamily="49" charset="0"/>
+              </a:rPr>
+              <a:t>input </a:t>
+            </a:r>
+            <a:r>
+              <a:rPr lang="en-US" b="1" dirty="0">
+                <a:solidFill>
+                  <a:srgbClr val="7D9029"/>
+                </a:solidFill>
+                <a:latin typeface="Consolas" panose="020B0609020204030204" pitchFamily="49" charset="0"/>
+              </a:rPr>
+              <a:t>type</a:t>
+            </a:r>
+            <a:r>
+              <a:rPr lang="en-US" b="1" dirty="0">
+                <a:solidFill>
+                  <a:srgbClr val="666666"/>
+                </a:solidFill>
+                <a:latin typeface="Consolas" panose="020B0609020204030204" pitchFamily="49" charset="0"/>
+              </a:rPr>
+              <a:t>=</a:t>
+            </a:r>
+            <a:r>
+              <a:rPr lang="en-US" b="1" dirty="0">
+                <a:solidFill>
+                  <a:srgbClr val="BA2121"/>
+                </a:solidFill>
+                <a:latin typeface="Consolas" panose="020B0609020204030204" pitchFamily="49" charset="0"/>
+              </a:rPr>
+              <a:t>"text" </a:t>
+            </a:r>
+            <a:r>
+              <a:rPr lang="en-US" b="1" dirty="0">
+                <a:solidFill>
+                  <a:srgbClr val="7D9029"/>
+                </a:solidFill>
+                <a:latin typeface="Consolas" panose="020B0609020204030204" pitchFamily="49" charset="0"/>
+              </a:rPr>
+              <a:t>ng-model</a:t>
+            </a:r>
+            <a:r>
+              <a:rPr lang="en-US" b="1" dirty="0">
+                <a:solidFill>
+                  <a:srgbClr val="666666"/>
+                </a:solidFill>
+                <a:latin typeface="Consolas" panose="020B0609020204030204" pitchFamily="49" charset="0"/>
+              </a:rPr>
+              <a:t>=</a:t>
+            </a:r>
+            <a:r>
+              <a:rPr lang="en-US" b="1" dirty="0">
+                <a:solidFill>
+                  <a:srgbClr val="BA2121"/>
+                </a:solidFill>
+                <a:latin typeface="Consolas" panose="020B0609020204030204" pitchFamily="49" charset="0"/>
+              </a:rPr>
+              <a:t>"</a:t>
+            </a:r>
+            <a:r>
+              <a:rPr lang="en-US" b="1" dirty="0" err="1">
+                <a:solidFill>
+                  <a:srgbClr val="BA2121"/>
+                </a:solidFill>
+                <a:latin typeface="Consolas" panose="020B0609020204030204" pitchFamily="49" charset="0"/>
+              </a:rPr>
+              <a:t>mysearch</a:t>
+            </a:r>
+            <a:r>
+              <a:rPr lang="en-US" b="1" dirty="0">
+                <a:solidFill>
+                  <a:srgbClr val="BA2121"/>
+                </a:solidFill>
+                <a:latin typeface="Consolas" panose="020B0609020204030204" pitchFamily="49" charset="0"/>
+              </a:rPr>
+              <a:t>"/&gt;</a:t>
+            </a:r>
+          </a:p>
+          <a:p>
+            <a:r>
+              <a:rPr lang="en-US" dirty="0">
+                <a:latin typeface="Consolas" panose="020B0609020204030204" pitchFamily="49" charset="0"/>
+              </a:rPr>
+              <a:t>&lt;</a:t>
+            </a:r>
+            <a:r>
+              <a:rPr lang="en-US" b="1" dirty="0" err="1">
+                <a:solidFill>
+                  <a:srgbClr val="008000"/>
+                </a:solidFill>
+                <a:latin typeface="Consolas" panose="020B0609020204030204" pitchFamily="49" charset="0"/>
+              </a:rPr>
+              <a:t>tr</a:t>
+            </a:r>
+            <a:r>
+              <a:rPr lang="en-US" b="1" dirty="0">
+                <a:solidFill>
+                  <a:srgbClr val="008000"/>
+                </a:solidFill>
+                <a:latin typeface="Consolas" panose="020B0609020204030204" pitchFamily="49" charset="0"/>
+              </a:rPr>
+              <a:t> </a:t>
+            </a:r>
+            <a:r>
+              <a:rPr lang="en-US" b="1" dirty="0">
+                <a:solidFill>
+                  <a:srgbClr val="7D9029"/>
+                </a:solidFill>
+                <a:latin typeface="Consolas" panose="020B0609020204030204" pitchFamily="49" charset="0"/>
+              </a:rPr>
+              <a:t>ng-repeat</a:t>
+            </a:r>
+            <a:r>
+              <a:rPr lang="en-US" b="1" dirty="0">
+                <a:solidFill>
+                  <a:srgbClr val="666666"/>
+                </a:solidFill>
+                <a:latin typeface="Consolas" panose="020B0609020204030204" pitchFamily="49" charset="0"/>
+              </a:rPr>
+              <a:t>=</a:t>
+            </a:r>
+            <a:r>
+              <a:rPr lang="en-US" b="1" dirty="0">
+                <a:solidFill>
+                  <a:srgbClr val="BA2121"/>
+                </a:solidFill>
+                <a:latin typeface="Consolas" panose="020B0609020204030204" pitchFamily="49" charset="0"/>
+              </a:rPr>
+              <a:t>"person in persons | filter: { name : </a:t>
+            </a:r>
+            <a:r>
+              <a:rPr lang="en-US" b="1" dirty="0" err="1">
+                <a:solidFill>
+                  <a:srgbClr val="BA2121"/>
+                </a:solidFill>
+                <a:latin typeface="Consolas" panose="020B0609020204030204" pitchFamily="49" charset="0"/>
+              </a:rPr>
+              <a:t>mysearch</a:t>
+            </a:r>
+            <a:r>
+              <a:rPr lang="en-US" b="1" dirty="0">
+                <a:solidFill>
+                  <a:srgbClr val="BA2121"/>
+                </a:solidFill>
+                <a:latin typeface="Consolas" panose="020B0609020204030204" pitchFamily="49" charset="0"/>
+              </a:rPr>
+              <a:t> </a:t>
+            </a:r>
+            <a:r>
+              <a:rPr lang="en-US" b="1" dirty="0" smtClean="0">
+                <a:solidFill>
+                  <a:srgbClr val="BA2121"/>
+                </a:solidFill>
+                <a:latin typeface="Consolas" panose="020B0609020204030204" pitchFamily="49" charset="0"/>
+              </a:rPr>
+              <a:t>}"&gt;</a:t>
+            </a:r>
+            <a:endParaRPr lang="en-US" b="1" dirty="0">
+              <a:solidFill>
+                <a:srgbClr val="BA2121"/>
+              </a:solidFill>
+              <a:latin typeface="Consolas" panose="020B0609020204030204" pitchFamily="49" charset="0"/>
+            </a:endParaRPr>
+          </a:p>
+        </p:txBody>
+      </p:sp>
+      <p:sp>
+        <p:nvSpPr>
+          <p:cNvPr id="9" name="ZoneTexte 8"/>
+          <p:cNvSpPr txBox="1"/>
+          <p:nvPr/>
+        </p:nvSpPr>
+        <p:spPr>
+          <a:xfrm>
+            <a:off x="649089" y="5364532"/>
+            <a:ext cx="8088511" cy="646331"/>
+          </a:xfrm>
+          <a:prstGeom prst="rect">
+            <a:avLst/>
+          </a:prstGeom>
+          <a:noFill/>
+        </p:spPr>
+        <p:txBody>
+          <a:bodyPr wrap="square" rtlCol="0">
+            <a:spAutoFit/>
+          </a:bodyPr>
+          <a:lstStyle/>
+          <a:p>
+            <a:r>
+              <a:rPr lang="en-US" dirty="0" smtClean="0">
+                <a:latin typeface="Consolas" panose="020B0609020204030204" pitchFamily="49" charset="0"/>
+              </a:rPr>
+              <a:t>&lt;</a:t>
+            </a:r>
+            <a:r>
+              <a:rPr lang="en-US" b="1" dirty="0">
+                <a:solidFill>
+                  <a:srgbClr val="008000"/>
+                </a:solidFill>
+                <a:latin typeface="Consolas" panose="020B0609020204030204" pitchFamily="49" charset="0"/>
+              </a:rPr>
+              <a:t>input </a:t>
+            </a:r>
+            <a:r>
+              <a:rPr lang="en-US" b="1" dirty="0">
+                <a:solidFill>
+                  <a:srgbClr val="7D9029"/>
+                </a:solidFill>
+                <a:latin typeface="Consolas" panose="020B0609020204030204" pitchFamily="49" charset="0"/>
+              </a:rPr>
+              <a:t>type</a:t>
+            </a:r>
+            <a:r>
+              <a:rPr lang="en-US" b="1" dirty="0">
+                <a:solidFill>
+                  <a:srgbClr val="666666"/>
+                </a:solidFill>
+                <a:latin typeface="Consolas" panose="020B0609020204030204" pitchFamily="49" charset="0"/>
+              </a:rPr>
+              <a:t>=</a:t>
+            </a:r>
+            <a:r>
+              <a:rPr lang="en-US" b="1" dirty="0">
+                <a:solidFill>
+                  <a:srgbClr val="BA2121"/>
+                </a:solidFill>
+                <a:latin typeface="Consolas" panose="020B0609020204030204" pitchFamily="49" charset="0"/>
+              </a:rPr>
+              <a:t>"text" </a:t>
+            </a:r>
+            <a:r>
+              <a:rPr lang="en-US" b="1" dirty="0">
+                <a:solidFill>
+                  <a:srgbClr val="7D9029"/>
+                </a:solidFill>
+                <a:latin typeface="Consolas" panose="020B0609020204030204" pitchFamily="49" charset="0"/>
+              </a:rPr>
+              <a:t>ng-model</a:t>
+            </a:r>
+            <a:r>
+              <a:rPr lang="en-US" b="1" dirty="0">
+                <a:solidFill>
+                  <a:srgbClr val="666666"/>
+                </a:solidFill>
+                <a:latin typeface="Consolas" panose="020B0609020204030204" pitchFamily="49" charset="0"/>
+              </a:rPr>
+              <a:t>=</a:t>
+            </a:r>
+            <a:r>
+              <a:rPr lang="en-US" b="1" dirty="0">
+                <a:solidFill>
+                  <a:srgbClr val="BA2121"/>
+                </a:solidFill>
+                <a:latin typeface="Consolas" panose="020B0609020204030204" pitchFamily="49" charset="0"/>
+              </a:rPr>
+              <a:t>"mysearch.name"/&gt;</a:t>
+            </a:r>
+          </a:p>
+          <a:p>
+            <a:r>
+              <a:rPr lang="en-US" dirty="0">
+                <a:latin typeface="Consolas" panose="020B0609020204030204" pitchFamily="49" charset="0"/>
+              </a:rPr>
+              <a:t>&lt;</a:t>
+            </a:r>
+            <a:r>
+              <a:rPr lang="en-US" b="1" dirty="0" err="1">
+                <a:solidFill>
+                  <a:srgbClr val="008000"/>
+                </a:solidFill>
+                <a:latin typeface="Consolas" panose="020B0609020204030204" pitchFamily="49" charset="0"/>
+              </a:rPr>
+              <a:t>tr</a:t>
+            </a:r>
+            <a:r>
+              <a:rPr lang="en-US" b="1" dirty="0">
+                <a:solidFill>
+                  <a:srgbClr val="008000"/>
+                </a:solidFill>
+                <a:latin typeface="Consolas" panose="020B0609020204030204" pitchFamily="49" charset="0"/>
+              </a:rPr>
+              <a:t> </a:t>
+            </a:r>
+            <a:r>
+              <a:rPr lang="en-US" b="1" dirty="0">
+                <a:solidFill>
+                  <a:srgbClr val="7D9029"/>
+                </a:solidFill>
+                <a:latin typeface="Consolas" panose="020B0609020204030204" pitchFamily="49" charset="0"/>
+              </a:rPr>
+              <a:t>ng-repeat</a:t>
+            </a:r>
+            <a:r>
+              <a:rPr lang="en-US" b="1" dirty="0">
+                <a:solidFill>
+                  <a:srgbClr val="666666"/>
+                </a:solidFill>
+                <a:latin typeface="Consolas" panose="020B0609020204030204" pitchFamily="49" charset="0"/>
+              </a:rPr>
+              <a:t>=</a:t>
+            </a:r>
+            <a:r>
+              <a:rPr lang="en-US" b="1" dirty="0">
+                <a:solidFill>
+                  <a:srgbClr val="BA2121"/>
+                </a:solidFill>
+                <a:latin typeface="Consolas" panose="020B0609020204030204" pitchFamily="49" charset="0"/>
+              </a:rPr>
+              <a:t>"person in persons | </a:t>
+            </a:r>
+            <a:r>
+              <a:rPr lang="en-US" b="1" dirty="0" err="1">
+                <a:solidFill>
+                  <a:srgbClr val="BA2121"/>
+                </a:solidFill>
+                <a:latin typeface="Consolas" panose="020B0609020204030204" pitchFamily="49" charset="0"/>
+              </a:rPr>
+              <a:t>filter:mysearch</a:t>
+            </a:r>
+            <a:r>
+              <a:rPr lang="en-US" b="1" dirty="0">
+                <a:solidFill>
+                  <a:srgbClr val="BA2121"/>
+                </a:solidFill>
+                <a:latin typeface="Consolas" panose="020B0609020204030204" pitchFamily="49" charset="0"/>
+              </a:rPr>
+              <a:t>"&gt;</a:t>
+            </a:r>
           </a:p>
         </p:txBody>
       </p:sp>
@@ -10366,182 +11006,15 @@
           <a:p>
             <a:r>
               <a:rPr lang="fr-FR" dirty="0"/>
-              <a:t>Une fonction de filtrage renvoie une autre fonction qui prend en paramètre l'élément à filtrer</a:t>
-            </a:r>
-          </a:p>
-          <a:p>
-            <a:pPr lvl="1">
-              <a:buNone/>
-            </a:pPr>
-            <a:r>
-              <a:rPr lang="fr-FR" dirty="0" err="1"/>
-              <a:t>angular</a:t>
-            </a:r>
-            <a:r>
-              <a:rPr lang="fr-FR" dirty="0"/>
-              <a:t> </a:t>
-            </a:r>
-          </a:p>
-          <a:p>
-            <a:pPr lvl="1">
-              <a:buNone/>
-            </a:pPr>
-            <a:r>
-              <a:rPr lang="fr-FR" dirty="0"/>
-              <a:t>	.module('</a:t>
-            </a:r>
-            <a:r>
-              <a:rPr lang="fr-FR" dirty="0" err="1"/>
-              <a:t>filterapp</a:t>
-            </a:r>
-            <a:r>
-              <a:rPr lang="fr-FR" dirty="0"/>
-              <a:t>', [])</a:t>
-            </a:r>
-          </a:p>
-          <a:p>
-            <a:pPr lvl="1">
-              <a:buNone/>
-            </a:pPr>
-            <a:r>
-              <a:rPr lang="fr-FR" dirty="0"/>
-              <a:t>	.</a:t>
-            </a:r>
-            <a:r>
-              <a:rPr lang="fr-FR" dirty="0" err="1"/>
-              <a:t>controller</a:t>
-            </a:r>
-            <a:r>
-              <a:rPr lang="fr-FR" dirty="0"/>
-              <a:t>('</a:t>
-            </a:r>
-            <a:r>
-              <a:rPr lang="fr-FR" dirty="0" err="1"/>
-              <a:t>FilterCtrl</a:t>
-            </a:r>
-            <a:r>
-              <a:rPr lang="fr-FR" dirty="0"/>
-              <a:t>', </a:t>
-            </a:r>
-            <a:r>
-              <a:rPr lang="fr-FR" dirty="0" err="1"/>
-              <a:t>function</a:t>
-            </a:r>
-            <a:r>
-              <a:rPr lang="fr-FR" dirty="0"/>
-              <a:t> ($scope) {</a:t>
-            </a:r>
-          </a:p>
-          <a:p>
-            <a:pPr lvl="1">
-              <a:buNone/>
-            </a:pPr>
-            <a:r>
-              <a:rPr lang="fr-FR" dirty="0"/>
-              <a:t>		$scope.name = "";</a:t>
-            </a:r>
-          </a:p>
-          <a:p>
-            <a:pPr lvl="1">
-              <a:buNone/>
-            </a:pPr>
-            <a:r>
-              <a:rPr lang="fr-FR" dirty="0"/>
-              <a:t>	})</a:t>
-            </a:r>
-          </a:p>
-          <a:p>
-            <a:pPr lvl="1">
-              <a:buNone/>
-            </a:pPr>
-            <a:r>
-              <a:rPr lang="fr-FR" dirty="0"/>
-              <a:t>	.</a:t>
-            </a:r>
-            <a:r>
-              <a:rPr lang="fr-FR" dirty="0" err="1"/>
-              <a:t>filter</a:t>
-            </a:r>
-            <a:r>
-              <a:rPr lang="fr-FR" dirty="0"/>
-              <a:t>('reverse', </a:t>
-            </a:r>
-            <a:r>
-              <a:rPr lang="fr-FR" dirty="0" err="1"/>
-              <a:t>function</a:t>
-            </a:r>
-            <a:r>
-              <a:rPr lang="fr-FR" dirty="0"/>
-              <a:t> () {</a:t>
-            </a:r>
-          </a:p>
-          <a:p>
-            <a:pPr lvl="2">
-              <a:buNone/>
-            </a:pPr>
-            <a:r>
-              <a:rPr lang="fr-FR" dirty="0"/>
-              <a:t>	return </a:t>
-            </a:r>
-            <a:r>
-              <a:rPr lang="fr-FR" dirty="0" err="1"/>
-              <a:t>function</a:t>
-            </a:r>
-            <a:r>
-              <a:rPr lang="fr-FR" dirty="0"/>
-              <a:t> (</a:t>
-            </a:r>
-            <a:r>
-              <a:rPr lang="fr-FR" dirty="0" err="1"/>
-              <a:t>text</a:t>
-            </a:r>
-            <a:r>
-              <a:rPr lang="fr-FR" dirty="0"/>
-              <a:t>) {</a:t>
-            </a:r>
-          </a:p>
-          <a:p>
-            <a:pPr lvl="2">
-              <a:buNone/>
-            </a:pPr>
-            <a:r>
-              <a:rPr lang="fr-FR" dirty="0"/>
-              <a:t>		return </a:t>
-            </a:r>
-            <a:r>
-              <a:rPr lang="fr-FR" dirty="0" err="1"/>
-              <a:t>text.split</a:t>
-            </a:r>
-            <a:r>
-              <a:rPr lang="fr-FR" dirty="0"/>
-              <a:t>("").reverse().</a:t>
-            </a:r>
-            <a:r>
-              <a:rPr lang="fr-FR" dirty="0" err="1"/>
-              <a:t>join</a:t>
-            </a:r>
-            <a:r>
-              <a:rPr lang="fr-FR" dirty="0"/>
-              <a:t>("");</a:t>
-            </a:r>
-          </a:p>
-          <a:p>
-            <a:pPr lvl="2">
-              <a:buNone/>
-            </a:pPr>
-            <a:r>
-              <a:rPr lang="fr-FR" dirty="0"/>
-              <a:t>	};</a:t>
-            </a:r>
-          </a:p>
-          <a:p>
-            <a:pPr lvl="2">
-              <a:buNone/>
-            </a:pPr>
-            <a:r>
-              <a:rPr lang="fr-FR" dirty="0"/>
-              <a:t>});</a:t>
-            </a:r>
+              <a:t>Une fonction de filtrage renvoie une autre fonction qui prend en paramètre l'élément à </a:t>
+            </a:r>
+            <a:r>
+              <a:rPr lang="fr-FR" dirty="0" smtClean="0"/>
+              <a:t>filtrer</a:t>
+            </a:r>
+          </a:p>
+          <a:p>
+            <a:endParaRPr lang="fr-FR" dirty="0"/>
           </a:p>
         </p:txBody>
       </p:sp>
@@ -10626,6 +11099,358 @@
           <a:lstStyle/>
           <a:p>
             <a:endParaRPr lang="fr-FR"/>
+          </a:p>
+        </p:txBody>
+      </p:sp>
+      <p:sp>
+        <p:nvSpPr>
+          <p:cNvPr id="7" name="ZoneTexte 6"/>
+          <p:cNvSpPr txBox="1"/>
+          <p:nvPr/>
+        </p:nvSpPr>
+        <p:spPr>
+          <a:xfrm>
+            <a:off x="947630" y="3026528"/>
+            <a:ext cx="7904270" cy="3139321"/>
+          </a:xfrm>
+          <a:prstGeom prst="rect">
+            <a:avLst/>
+          </a:prstGeom>
+          <a:noFill/>
+        </p:spPr>
+        <p:txBody>
+          <a:bodyPr wrap="square" rtlCol="0">
+            <a:spAutoFit/>
+          </a:bodyPr>
+          <a:lstStyle/>
+          <a:p>
+            <a:r>
+              <a:rPr lang="fr-FR" dirty="0" err="1">
+                <a:latin typeface="Consolas" panose="020B0609020204030204" pitchFamily="49" charset="0"/>
+              </a:rPr>
+              <a:t>angular</a:t>
+            </a:r>
+            <a:r>
+              <a:rPr lang="fr-FR" dirty="0">
+                <a:latin typeface="Consolas" panose="020B0609020204030204" pitchFamily="49" charset="0"/>
+              </a:rPr>
+              <a:t> </a:t>
+            </a:r>
+          </a:p>
+          <a:p>
+            <a:r>
+              <a:rPr lang="fr-FR" dirty="0">
+                <a:latin typeface="Consolas" panose="020B0609020204030204" pitchFamily="49" charset="0"/>
+              </a:rPr>
+              <a:t>    .module(</a:t>
+            </a:r>
+            <a:r>
+              <a:rPr lang="fr-FR" dirty="0">
+                <a:solidFill>
+                  <a:srgbClr val="BA2121"/>
+                </a:solidFill>
+                <a:latin typeface="Consolas" panose="020B0609020204030204" pitchFamily="49" charset="0"/>
+              </a:rPr>
+              <a:t>'</a:t>
+            </a:r>
+            <a:r>
+              <a:rPr lang="fr-FR" dirty="0" err="1">
+                <a:solidFill>
+                  <a:srgbClr val="BA2121"/>
+                </a:solidFill>
+                <a:latin typeface="Consolas" panose="020B0609020204030204" pitchFamily="49" charset="0"/>
+              </a:rPr>
+              <a:t>filterapp</a:t>
+            </a:r>
+            <a:r>
+              <a:rPr lang="fr-FR" dirty="0">
+                <a:solidFill>
+                  <a:srgbClr val="BA2121"/>
+                </a:solidFill>
+                <a:latin typeface="Consolas" panose="020B0609020204030204" pitchFamily="49" charset="0"/>
+              </a:rPr>
+              <a:t>', [])</a:t>
+            </a:r>
+          </a:p>
+          <a:p>
+            <a:r>
+              <a:rPr lang="fr-FR" dirty="0">
+                <a:latin typeface="Consolas" panose="020B0609020204030204" pitchFamily="49" charset="0"/>
+              </a:rPr>
+              <a:t>    .</a:t>
+            </a:r>
+            <a:r>
+              <a:rPr lang="fr-FR" dirty="0" err="1">
+                <a:latin typeface="Consolas" panose="020B0609020204030204" pitchFamily="49" charset="0"/>
+              </a:rPr>
+              <a:t>controller</a:t>
+            </a:r>
+            <a:r>
+              <a:rPr lang="fr-FR" dirty="0">
+                <a:latin typeface="Consolas" panose="020B0609020204030204" pitchFamily="49" charset="0"/>
+              </a:rPr>
+              <a:t>(</a:t>
+            </a:r>
+            <a:r>
+              <a:rPr lang="fr-FR" dirty="0">
+                <a:solidFill>
+                  <a:srgbClr val="BA2121"/>
+                </a:solidFill>
+                <a:latin typeface="Consolas" panose="020B0609020204030204" pitchFamily="49" charset="0"/>
+              </a:rPr>
+              <a:t>'</a:t>
+            </a:r>
+            <a:r>
+              <a:rPr lang="fr-FR" dirty="0" err="1">
+                <a:solidFill>
+                  <a:srgbClr val="BA2121"/>
+                </a:solidFill>
+                <a:latin typeface="Consolas" panose="020B0609020204030204" pitchFamily="49" charset="0"/>
+              </a:rPr>
+              <a:t>FilterCtrl</a:t>
+            </a:r>
+            <a:r>
+              <a:rPr lang="fr-FR" dirty="0">
+                <a:solidFill>
+                  <a:srgbClr val="BA2121"/>
+                </a:solidFill>
+                <a:latin typeface="Consolas" panose="020B0609020204030204" pitchFamily="49" charset="0"/>
+              </a:rPr>
+              <a:t>', </a:t>
+            </a:r>
+            <a:r>
+              <a:rPr lang="fr-FR" b="1" dirty="0" err="1">
+                <a:solidFill>
+                  <a:srgbClr val="008000"/>
+                </a:solidFill>
+                <a:latin typeface="Consolas" panose="020B0609020204030204" pitchFamily="49" charset="0"/>
+              </a:rPr>
+              <a:t>function</a:t>
+            </a:r>
+            <a:r>
+              <a:rPr lang="fr-FR" b="1" dirty="0">
+                <a:solidFill>
+                  <a:srgbClr val="008000"/>
+                </a:solidFill>
+                <a:latin typeface="Consolas" panose="020B0609020204030204" pitchFamily="49" charset="0"/>
+              </a:rPr>
+              <a:t> ($scope) {</a:t>
+            </a:r>
+          </a:p>
+          <a:p>
+            <a:r>
+              <a:rPr lang="fr-FR" dirty="0">
+                <a:latin typeface="Consolas" panose="020B0609020204030204" pitchFamily="49" charset="0"/>
+              </a:rPr>
+              <a:t>        $scope.name </a:t>
+            </a:r>
+            <a:r>
+              <a:rPr lang="fr-FR" dirty="0">
+                <a:solidFill>
+                  <a:srgbClr val="666666"/>
+                </a:solidFill>
+                <a:latin typeface="Consolas" panose="020B0609020204030204" pitchFamily="49" charset="0"/>
+              </a:rPr>
+              <a:t>= </a:t>
+            </a:r>
+            <a:r>
+              <a:rPr lang="fr-FR" dirty="0">
+                <a:solidFill>
+                  <a:srgbClr val="BA2121"/>
+                </a:solidFill>
+                <a:latin typeface="Consolas" panose="020B0609020204030204" pitchFamily="49" charset="0"/>
+              </a:rPr>
+              <a:t>"";</a:t>
+            </a:r>
+          </a:p>
+          <a:p>
+            <a:r>
+              <a:rPr lang="fr-FR" dirty="0">
+                <a:latin typeface="Consolas" panose="020B0609020204030204" pitchFamily="49" charset="0"/>
+              </a:rPr>
+              <a:t>    })</a:t>
+            </a:r>
+          </a:p>
+          <a:p>
+            <a:r>
+              <a:rPr lang="fr-FR" dirty="0">
+                <a:latin typeface="Consolas" panose="020B0609020204030204" pitchFamily="49" charset="0"/>
+              </a:rPr>
+              <a:t>    .</a:t>
+            </a:r>
+            <a:r>
+              <a:rPr lang="fr-FR" dirty="0" err="1">
+                <a:latin typeface="Consolas" panose="020B0609020204030204" pitchFamily="49" charset="0"/>
+              </a:rPr>
+              <a:t>filter</a:t>
+            </a:r>
+            <a:r>
+              <a:rPr lang="fr-FR" dirty="0">
+                <a:latin typeface="Consolas" panose="020B0609020204030204" pitchFamily="49" charset="0"/>
+              </a:rPr>
+              <a:t>(</a:t>
+            </a:r>
+            <a:r>
+              <a:rPr lang="fr-FR" dirty="0">
+                <a:solidFill>
+                  <a:srgbClr val="BA2121"/>
+                </a:solidFill>
+                <a:latin typeface="Consolas" panose="020B0609020204030204" pitchFamily="49" charset="0"/>
+              </a:rPr>
+              <a:t>'reverse', </a:t>
+            </a:r>
+            <a:r>
+              <a:rPr lang="fr-FR" b="1" dirty="0" err="1">
+                <a:solidFill>
+                  <a:srgbClr val="008000"/>
+                </a:solidFill>
+                <a:latin typeface="Consolas" panose="020B0609020204030204" pitchFamily="49" charset="0"/>
+              </a:rPr>
+              <a:t>function</a:t>
+            </a:r>
+            <a:r>
+              <a:rPr lang="fr-FR" b="1" dirty="0">
+                <a:solidFill>
+                  <a:srgbClr val="008000"/>
+                </a:solidFill>
+                <a:latin typeface="Consolas" panose="020B0609020204030204" pitchFamily="49" charset="0"/>
+              </a:rPr>
+              <a:t> () {</a:t>
+            </a:r>
+          </a:p>
+          <a:p>
+            <a:r>
+              <a:rPr lang="fr-FR" dirty="0">
+                <a:latin typeface="Consolas" panose="020B0609020204030204" pitchFamily="49" charset="0"/>
+              </a:rPr>
+              <a:t>    </a:t>
+            </a:r>
+            <a:r>
+              <a:rPr lang="fr-FR" b="1" dirty="0">
+                <a:solidFill>
+                  <a:srgbClr val="008000"/>
+                </a:solidFill>
+                <a:latin typeface="Consolas" panose="020B0609020204030204" pitchFamily="49" charset="0"/>
+              </a:rPr>
+              <a:t>return </a:t>
+            </a:r>
+            <a:r>
+              <a:rPr lang="fr-FR" b="1" dirty="0" err="1">
+                <a:solidFill>
+                  <a:srgbClr val="008000"/>
+                </a:solidFill>
+                <a:latin typeface="Consolas" panose="020B0609020204030204" pitchFamily="49" charset="0"/>
+              </a:rPr>
+              <a:t>function</a:t>
+            </a:r>
+            <a:r>
+              <a:rPr lang="fr-FR" b="1" dirty="0">
+                <a:solidFill>
+                  <a:srgbClr val="008000"/>
+                </a:solidFill>
+                <a:latin typeface="Consolas" panose="020B0609020204030204" pitchFamily="49" charset="0"/>
+              </a:rPr>
+              <a:t> (</a:t>
+            </a:r>
+            <a:r>
+              <a:rPr lang="fr-FR" b="1" dirty="0" err="1">
+                <a:solidFill>
+                  <a:srgbClr val="008000"/>
+                </a:solidFill>
+                <a:latin typeface="Consolas" panose="020B0609020204030204" pitchFamily="49" charset="0"/>
+              </a:rPr>
+              <a:t>text</a:t>
+            </a:r>
+            <a:r>
+              <a:rPr lang="fr-FR" b="1" dirty="0">
+                <a:solidFill>
+                  <a:srgbClr val="008000"/>
+                </a:solidFill>
+                <a:latin typeface="Consolas" panose="020B0609020204030204" pitchFamily="49" charset="0"/>
+              </a:rPr>
+              <a:t>) {</a:t>
+            </a:r>
+          </a:p>
+          <a:p>
+            <a:r>
+              <a:rPr lang="fr-FR" dirty="0">
+                <a:latin typeface="Consolas" panose="020B0609020204030204" pitchFamily="49" charset="0"/>
+              </a:rPr>
+              <a:t>        </a:t>
+            </a:r>
+            <a:r>
+              <a:rPr lang="fr-FR" b="1" dirty="0">
+                <a:solidFill>
+                  <a:srgbClr val="008000"/>
+                </a:solidFill>
+                <a:latin typeface="Consolas" panose="020B0609020204030204" pitchFamily="49" charset="0"/>
+              </a:rPr>
+              <a:t>return </a:t>
+            </a:r>
+            <a:r>
+              <a:rPr lang="fr-FR" b="1" dirty="0" err="1">
+                <a:solidFill>
+                  <a:srgbClr val="008000"/>
+                </a:solidFill>
+                <a:latin typeface="Consolas" panose="020B0609020204030204" pitchFamily="49" charset="0"/>
+              </a:rPr>
+              <a:t>text.split</a:t>
+            </a:r>
+            <a:r>
+              <a:rPr lang="fr-FR" b="1" dirty="0">
+                <a:solidFill>
+                  <a:srgbClr val="008000"/>
+                </a:solidFill>
+                <a:latin typeface="Consolas" panose="020B0609020204030204" pitchFamily="49" charset="0"/>
+              </a:rPr>
+              <a:t>(</a:t>
+            </a:r>
+            <a:r>
+              <a:rPr lang="fr-FR" b="1" dirty="0">
+                <a:solidFill>
+                  <a:srgbClr val="BA2121"/>
+                </a:solidFill>
+                <a:latin typeface="Consolas" panose="020B0609020204030204" pitchFamily="49" charset="0"/>
+              </a:rPr>
+              <a:t>"").reverse().</a:t>
+            </a:r>
+            <a:r>
+              <a:rPr lang="fr-FR" b="1" dirty="0" err="1">
+                <a:solidFill>
+                  <a:srgbClr val="BA2121"/>
+                </a:solidFill>
+                <a:latin typeface="Consolas" panose="020B0609020204030204" pitchFamily="49" charset="0"/>
+              </a:rPr>
+              <a:t>join</a:t>
+            </a:r>
+            <a:r>
+              <a:rPr lang="fr-FR" b="1" dirty="0">
+                <a:solidFill>
+                  <a:srgbClr val="BA2121"/>
+                </a:solidFill>
+                <a:latin typeface="Consolas" panose="020B0609020204030204" pitchFamily="49" charset="0"/>
+              </a:rPr>
+              <a:t>("");</a:t>
+            </a:r>
+          </a:p>
+          <a:p>
+            <a:r>
+              <a:rPr lang="fr-FR" dirty="0">
+                <a:latin typeface="Consolas" panose="020B0609020204030204" pitchFamily="49" charset="0"/>
+              </a:rPr>
+              <a:t>    };</a:t>
+            </a:r>
+          </a:p>
+          <a:p>
+            <a:r>
+              <a:rPr lang="fr-FR" dirty="0">
+                <a:latin typeface="Consolas" panose="020B0609020204030204" pitchFamily="49" charset="0"/>
+              </a:rPr>
+              <a:t>});</a:t>
+            </a:r>
+          </a:p>
+          <a:p>
+            <a:endParaRPr lang="fr-FR" dirty="0"/>
           </a:p>
         </p:txBody>
       </p:sp>
